--- a/cdn/2016/dn1608explanatory.pptx
+++ b/cdn/2016/dn1608explanatory.pptx
@@ -5,11 +5,12 @@
     <p:sldMasterId id="2147483648" r:id="rId1"/>
   </p:sldMasterIdLst>
   <p:notesMasterIdLst>
-    <p:notesMasterId r:id="rId4"/>
+    <p:notesMasterId r:id="rId5"/>
   </p:notesMasterIdLst>
   <p:sldIdLst>
     <p:sldId id="259" r:id="rId2"/>
     <p:sldId id="258" r:id="rId3"/>
+    <p:sldId id="260" r:id="rId4"/>
   </p:sldIdLst>
   <p:sldSz cx="12192000" cy="6858000"/>
   <p:notesSz cx="6858000" cy="9144000"/>
@@ -198,7 +199,7 @@
           <a:p>
             <a:fld id="{A82937E7-3991-45AD-9B84-B9BB0E6C8E34}" type="datetimeFigureOut">
               <a:rPr kumimoji="1" lang="ja-JP" altLang="en-US" smtClean="0"/>
-              <a:t>2016/8/19</a:t>
+              <a:t>2016/8/24</a:t>
             </a:fld>
             <a:endParaRPr kumimoji="1" lang="ja-JP" altLang="en-US"/>
           </a:p>
@@ -497,6 +498,267 @@
 </p:notesMaster>
 </file>
 
+<file path=ppt/notesSlides/notesSlide1.xml><?xml version="1.0" encoding="utf-8"?>
+<p:notes xmlns:a="http://schemas.openxmlformats.org/drawingml/2006/main" xmlns:r="http://schemas.openxmlformats.org/officeDocument/2006/relationships" xmlns:p="http://schemas.openxmlformats.org/presentationml/2006/main">
+  <p:cSld>
+    <p:spTree>
+      <p:nvGrpSpPr>
+        <p:cNvPr id="1" name=""/>
+        <p:cNvGrpSpPr/>
+        <p:nvPr/>
+      </p:nvGrpSpPr>
+      <p:grpSpPr>
+        <a:xfrm>
+          <a:off x="0" y="0"/>
+          <a:ext cx="0" cy="0"/>
+          <a:chOff x="0" y="0"/>
+          <a:chExt cx="0" cy="0"/>
+        </a:xfrm>
+      </p:grpSpPr>
+      <p:sp>
+        <p:nvSpPr>
+          <p:cNvPr id="2" name="スライド イメージ プレースホルダー 1"/>
+          <p:cNvSpPr>
+            <a:spLocks noGrp="1" noRot="1" noChangeAspect="1"/>
+          </p:cNvSpPr>
+          <p:nvPr>
+            <p:ph type="sldImg"/>
+          </p:nvPr>
+        </p:nvSpPr>
+        <p:spPr/>
+      </p:sp>
+      <p:sp>
+        <p:nvSpPr>
+          <p:cNvPr id="3" name="ノート プレースホルダー 2"/>
+          <p:cNvSpPr>
+            <a:spLocks noGrp="1"/>
+          </p:cNvSpPr>
+          <p:nvPr>
+            <p:ph type="body" idx="1"/>
+          </p:nvPr>
+        </p:nvSpPr>
+        <p:spPr/>
+        <p:txBody>
+          <a:bodyPr/>
+          <a:lstStyle/>
+          <a:p>
+            <a:r>
+              <a:rPr kumimoji="1" lang="ja-JP" altLang="en-US" dirty="0"/>
+              <a:t>同居親子関係の説明図</a:t>
+            </a:r>
+          </a:p>
+        </p:txBody>
+      </p:sp>
+      <p:sp>
+        <p:nvSpPr>
+          <p:cNvPr id="4" name="スライド番号プレースホルダー 3"/>
+          <p:cNvSpPr>
+            <a:spLocks noGrp="1"/>
+          </p:cNvSpPr>
+          <p:nvPr>
+            <p:ph type="sldNum" sz="quarter" idx="10"/>
+          </p:nvPr>
+        </p:nvSpPr>
+        <p:spPr/>
+        <p:txBody>
+          <a:bodyPr/>
+          <a:lstStyle/>
+          <a:p>
+            <a:fld id="{DC5A928C-433C-42F4-8BAF-76E8EFBA0822}" type="slidenum">
+              <a:rPr kumimoji="1" lang="ja-JP" altLang="en-US" smtClean="0"/>
+              <a:t>1</a:t>
+            </a:fld>
+            <a:endParaRPr kumimoji="1" lang="ja-JP" altLang="en-US"/>
+          </a:p>
+        </p:txBody>
+      </p:sp>
+    </p:spTree>
+    <p:extLst>
+      <p:ext uri="{BB962C8B-B14F-4D97-AF65-F5344CB8AC3E}">
+        <p14:creationId xmlns:p14="http://schemas.microsoft.com/office/powerpoint/2010/main" val="2121697075"/>
+      </p:ext>
+    </p:extLst>
+  </p:cSld>
+  <p:clrMapOvr>
+    <a:masterClrMapping/>
+  </p:clrMapOvr>
+</p:notes>
+</file>
+
+<file path=ppt/notesSlides/notesSlide2.xml><?xml version="1.0" encoding="utf-8"?>
+<p:notes xmlns:a="http://schemas.openxmlformats.org/drawingml/2006/main" xmlns:r="http://schemas.openxmlformats.org/officeDocument/2006/relationships" xmlns:p="http://schemas.openxmlformats.org/presentationml/2006/main">
+  <p:cSld>
+    <p:spTree>
+      <p:nvGrpSpPr>
+        <p:cNvPr id="1" name=""/>
+        <p:cNvGrpSpPr/>
+        <p:nvPr/>
+      </p:nvGrpSpPr>
+      <p:grpSpPr>
+        <a:xfrm>
+          <a:off x="0" y="0"/>
+          <a:ext cx="0" cy="0"/>
+          <a:chOff x="0" y="0"/>
+          <a:chExt cx="0" cy="0"/>
+        </a:xfrm>
+      </p:grpSpPr>
+      <p:sp>
+        <p:nvSpPr>
+          <p:cNvPr id="2" name="スライド イメージ プレースホルダー 1"/>
+          <p:cNvSpPr>
+            <a:spLocks noGrp="1" noRot="1" noChangeAspect="1"/>
+          </p:cNvSpPr>
+          <p:nvPr>
+            <p:ph type="sldImg"/>
+          </p:nvPr>
+        </p:nvSpPr>
+        <p:spPr/>
+      </p:sp>
+      <p:sp>
+        <p:nvSpPr>
+          <p:cNvPr id="3" name="ノート プレースホルダー 2"/>
+          <p:cNvSpPr>
+            <a:spLocks noGrp="1"/>
+          </p:cNvSpPr>
+          <p:nvPr>
+            <p:ph type="body" idx="1"/>
+          </p:nvPr>
+        </p:nvSpPr>
+        <p:spPr/>
+        <p:txBody>
+          <a:bodyPr/>
+          <a:lstStyle/>
+          <a:p>
+            <a:r>
+              <a:rPr kumimoji="1" lang="ja-JP" altLang="en-US" dirty="0"/>
+              <a:t>アプリストア・商品見積書パックの概要データモデル</a:t>
+            </a:r>
+          </a:p>
+        </p:txBody>
+      </p:sp>
+      <p:sp>
+        <p:nvSpPr>
+          <p:cNvPr id="4" name="スライド番号プレースホルダー 3"/>
+          <p:cNvSpPr>
+            <a:spLocks noGrp="1"/>
+          </p:cNvSpPr>
+          <p:nvPr>
+            <p:ph type="sldNum" sz="quarter" idx="10"/>
+          </p:nvPr>
+        </p:nvSpPr>
+        <p:spPr/>
+        <p:txBody>
+          <a:bodyPr/>
+          <a:lstStyle/>
+          <a:p>
+            <a:fld id="{DC5A928C-433C-42F4-8BAF-76E8EFBA0822}" type="slidenum">
+              <a:rPr kumimoji="1" lang="ja-JP" altLang="en-US" smtClean="0"/>
+              <a:t>2</a:t>
+            </a:fld>
+            <a:endParaRPr kumimoji="1" lang="ja-JP" altLang="en-US"/>
+          </a:p>
+        </p:txBody>
+      </p:sp>
+    </p:spTree>
+    <p:extLst>
+      <p:ext uri="{BB962C8B-B14F-4D97-AF65-F5344CB8AC3E}">
+        <p14:creationId xmlns:p14="http://schemas.microsoft.com/office/powerpoint/2010/main" val="4203453796"/>
+      </p:ext>
+    </p:extLst>
+  </p:cSld>
+  <p:clrMapOvr>
+    <a:masterClrMapping/>
+  </p:clrMapOvr>
+</p:notes>
+</file>
+
+<file path=ppt/notesSlides/notesSlide3.xml><?xml version="1.0" encoding="utf-8"?>
+<p:notes xmlns:a="http://schemas.openxmlformats.org/drawingml/2006/main" xmlns:r="http://schemas.openxmlformats.org/officeDocument/2006/relationships" xmlns:p="http://schemas.openxmlformats.org/presentationml/2006/main">
+  <p:cSld>
+    <p:spTree>
+      <p:nvGrpSpPr>
+        <p:cNvPr id="1" name=""/>
+        <p:cNvGrpSpPr/>
+        <p:nvPr/>
+      </p:nvGrpSpPr>
+      <p:grpSpPr>
+        <a:xfrm>
+          <a:off x="0" y="0"/>
+          <a:ext cx="0" cy="0"/>
+          <a:chOff x="0" y="0"/>
+          <a:chExt cx="0" cy="0"/>
+        </a:xfrm>
+      </p:grpSpPr>
+      <p:sp>
+        <p:nvSpPr>
+          <p:cNvPr id="2" name="スライド イメージ プレースホルダー 1"/>
+          <p:cNvSpPr>
+            <a:spLocks noGrp="1" noRot="1" noChangeAspect="1"/>
+          </p:cNvSpPr>
+          <p:nvPr>
+            <p:ph type="sldImg"/>
+          </p:nvPr>
+        </p:nvSpPr>
+        <p:spPr/>
+      </p:sp>
+      <p:sp>
+        <p:nvSpPr>
+          <p:cNvPr id="3" name="ノート プレースホルダー 2"/>
+          <p:cNvSpPr>
+            <a:spLocks noGrp="1"/>
+          </p:cNvSpPr>
+          <p:nvPr>
+            <p:ph type="body" idx="1"/>
+          </p:nvPr>
+        </p:nvSpPr>
+        <p:spPr/>
+        <p:txBody>
+          <a:bodyPr/>
+          <a:lstStyle/>
+          <a:p>
+            <a:r>
+              <a:rPr kumimoji="1" lang="ja-JP" altLang="en-US" dirty="0"/>
+              <a:t>未使用</a:t>
+            </a:r>
+          </a:p>
+        </p:txBody>
+      </p:sp>
+      <p:sp>
+        <p:nvSpPr>
+          <p:cNvPr id="4" name="スライド番号プレースホルダー 3"/>
+          <p:cNvSpPr>
+            <a:spLocks noGrp="1"/>
+          </p:cNvSpPr>
+          <p:nvPr>
+            <p:ph type="sldNum" sz="quarter" idx="10"/>
+          </p:nvPr>
+        </p:nvSpPr>
+        <p:spPr/>
+        <p:txBody>
+          <a:bodyPr/>
+          <a:lstStyle/>
+          <a:p>
+            <a:fld id="{DC5A928C-433C-42F4-8BAF-76E8EFBA0822}" type="slidenum">
+              <a:rPr kumimoji="1" lang="ja-JP" altLang="en-US" smtClean="0"/>
+              <a:t>3</a:t>
+            </a:fld>
+            <a:endParaRPr kumimoji="1" lang="ja-JP" altLang="en-US"/>
+          </a:p>
+        </p:txBody>
+      </p:sp>
+    </p:spTree>
+    <p:extLst>
+      <p:ext uri="{BB962C8B-B14F-4D97-AF65-F5344CB8AC3E}">
+        <p14:creationId xmlns:p14="http://schemas.microsoft.com/office/powerpoint/2010/main" val="4023025738"/>
+      </p:ext>
+    </p:extLst>
+  </p:cSld>
+  <p:clrMapOvr>
+    <a:masterClrMapping/>
+  </p:clrMapOvr>
+</p:notes>
+</file>
+
 <file path=ppt/slideLayouts/slideLayout1.xml><?xml version="1.0" encoding="utf-8"?>
 <p:sldLayout xmlns:a="http://schemas.openxmlformats.org/drawingml/2006/main" xmlns:r="http://schemas.openxmlformats.org/officeDocument/2006/relationships" xmlns:p="http://schemas.openxmlformats.org/presentationml/2006/main" type="title" preserve="1">
   <p:cSld name="タイトル スライド">
@@ -626,7 +888,7 @@
           <a:p>
             <a:fld id="{94219EF5-4222-44D3-AB33-808FF9545A4A}" type="datetimeFigureOut">
               <a:rPr kumimoji="1" lang="ja-JP" altLang="en-US" smtClean="0"/>
-              <a:t>2016/8/19</a:t>
+              <a:t>2016/8/24</a:t>
             </a:fld>
             <a:endParaRPr kumimoji="1" lang="ja-JP" altLang="en-US"/>
           </a:p>
@@ -826,7 +1088,7 @@
           <a:p>
             <a:fld id="{94219EF5-4222-44D3-AB33-808FF9545A4A}" type="datetimeFigureOut">
               <a:rPr kumimoji="1" lang="ja-JP" altLang="en-US" smtClean="0"/>
-              <a:t>2016/8/19</a:t>
+              <a:t>2016/8/24</a:t>
             </a:fld>
             <a:endParaRPr kumimoji="1" lang="ja-JP" altLang="en-US"/>
           </a:p>
@@ -1036,7 +1298,7 @@
           <a:p>
             <a:fld id="{94219EF5-4222-44D3-AB33-808FF9545A4A}" type="datetimeFigureOut">
               <a:rPr kumimoji="1" lang="ja-JP" altLang="en-US" smtClean="0"/>
-              <a:t>2016/8/19</a:t>
+              <a:t>2016/8/24</a:t>
             </a:fld>
             <a:endParaRPr kumimoji="1" lang="ja-JP" altLang="en-US"/>
           </a:p>
@@ -1236,7 +1498,7 @@
           <a:p>
             <a:fld id="{94219EF5-4222-44D3-AB33-808FF9545A4A}" type="datetimeFigureOut">
               <a:rPr kumimoji="1" lang="ja-JP" altLang="en-US" smtClean="0"/>
-              <a:t>2016/8/19</a:t>
+              <a:t>2016/8/24</a:t>
             </a:fld>
             <a:endParaRPr kumimoji="1" lang="ja-JP" altLang="en-US"/>
           </a:p>
@@ -1481,7 +1743,7 @@
           <a:p>
             <a:fld id="{94219EF5-4222-44D3-AB33-808FF9545A4A}" type="datetimeFigureOut">
               <a:rPr kumimoji="1" lang="ja-JP" altLang="en-US" smtClean="0"/>
-              <a:t>2016/8/19</a:t>
+              <a:t>2016/8/24</a:t>
             </a:fld>
             <a:endParaRPr kumimoji="1" lang="ja-JP" altLang="en-US"/>
           </a:p>
@@ -1774,7 +2036,7 @@
           <a:p>
             <a:fld id="{94219EF5-4222-44D3-AB33-808FF9545A4A}" type="datetimeFigureOut">
               <a:rPr kumimoji="1" lang="ja-JP" altLang="en-US" smtClean="0"/>
-              <a:t>2016/8/19</a:t>
+              <a:t>2016/8/24</a:t>
             </a:fld>
             <a:endParaRPr kumimoji="1" lang="ja-JP" altLang="en-US"/>
           </a:p>
@@ -2202,7 +2464,7 @@
           <a:p>
             <a:fld id="{94219EF5-4222-44D3-AB33-808FF9545A4A}" type="datetimeFigureOut">
               <a:rPr kumimoji="1" lang="ja-JP" altLang="en-US" smtClean="0"/>
-              <a:t>2016/8/19</a:t>
+              <a:t>2016/8/24</a:t>
             </a:fld>
             <a:endParaRPr kumimoji="1" lang="ja-JP" altLang="en-US"/>
           </a:p>
@@ -2319,7 +2581,7 @@
           <a:p>
             <a:fld id="{94219EF5-4222-44D3-AB33-808FF9545A4A}" type="datetimeFigureOut">
               <a:rPr kumimoji="1" lang="ja-JP" altLang="en-US" smtClean="0"/>
-              <a:t>2016/8/19</a:t>
+              <a:t>2016/8/24</a:t>
             </a:fld>
             <a:endParaRPr kumimoji="1" lang="ja-JP" altLang="en-US"/>
           </a:p>
@@ -2414,7 +2676,7 @@
           <a:p>
             <a:fld id="{94219EF5-4222-44D3-AB33-808FF9545A4A}" type="datetimeFigureOut">
               <a:rPr kumimoji="1" lang="ja-JP" altLang="en-US" smtClean="0"/>
-              <a:t>2016/8/19</a:t>
+              <a:t>2016/8/24</a:t>
             </a:fld>
             <a:endParaRPr kumimoji="1" lang="ja-JP" altLang="en-US"/>
           </a:p>
@@ -2721,7 +2983,7 @@
           <a:p>
             <a:fld id="{94219EF5-4222-44D3-AB33-808FF9545A4A}" type="datetimeFigureOut">
               <a:rPr kumimoji="1" lang="ja-JP" altLang="en-US" smtClean="0"/>
-              <a:t>2016/8/19</a:t>
+              <a:t>2016/8/24</a:t>
             </a:fld>
             <a:endParaRPr kumimoji="1" lang="ja-JP" altLang="en-US"/>
           </a:p>
@@ -2973,7 +3235,7 @@
           <a:p>
             <a:fld id="{94219EF5-4222-44D3-AB33-808FF9545A4A}" type="datetimeFigureOut">
               <a:rPr kumimoji="1" lang="ja-JP" altLang="en-US" smtClean="0"/>
-              <a:t>2016/8/19</a:t>
+              <a:t>2016/8/24</a:t>
             </a:fld>
             <a:endParaRPr kumimoji="1" lang="ja-JP" altLang="en-US"/>
           </a:p>
@@ -3216,7 +3478,7 @@
           <a:p>
             <a:fld id="{94219EF5-4222-44D3-AB33-808FF9545A4A}" type="datetimeFigureOut">
               <a:rPr kumimoji="1" lang="ja-JP" altLang="en-US" smtClean="0"/>
-              <a:t>2016/8/19</a:t>
+              <a:t>2016/8/24</a:t>
             </a:fld>
             <a:endParaRPr kumimoji="1" lang="ja-JP" altLang="en-US"/>
           </a:p>
@@ -3763,7 +4025,7 @@
           <p:nvPr/>
         </p:nvPicPr>
         <p:blipFill>
-          <a:blip r:embed="rId2">
+          <a:blip r:embed="rId3">
             <a:extLst>
               <a:ext uri="{28A0092B-C50C-407E-A947-70E740481C1C}">
                 <a14:useLocalDpi xmlns:a14="http://schemas.microsoft.com/office/drawing/2010/main" val="0"/>
@@ -3885,7 +4147,12 @@
             <p:ph type="title"/>
           </p:nvPr>
         </p:nvSpPr>
-        <p:spPr/>
+        <p:spPr>
+          <a:xfrm>
+            <a:off x="838200" y="320880"/>
+            <a:ext cx="10515600" cy="1325563"/>
+          </a:xfrm>
+        </p:spPr>
         <p:txBody>
           <a:bodyPr anchor="t">
             <a:normAutofit/>
@@ -3975,13 +4242,13 @@
           <a:p>
             <a:pPr algn="ctr"/>
             <a:r>
-              <a:rPr lang="ja-JP" altLang="en-US" sz="1600" dirty="0">
+              <a:rPr lang="ja-JP" altLang="en-US" sz="1600" b="1" dirty="0">
                 <a:latin typeface="Meiryo UI" panose="020B0604030504040204" pitchFamily="50" charset="-128"/>
                 <a:ea typeface="Meiryo UI" panose="020B0604030504040204" pitchFamily="50" charset="-128"/>
               </a:rPr>
-              <a:t>商品リスト</a:t>
-            </a:r>
-            <a:endParaRPr kumimoji="1" lang="ja-JP" altLang="en-US" sz="1600" dirty="0">
+              <a:t>商品リストアプリ</a:t>
+            </a:r>
+            <a:endParaRPr kumimoji="1" lang="ja-JP" altLang="en-US" sz="1600" b="1" dirty="0">
               <a:latin typeface="Meiryo UI" panose="020B0604030504040204" pitchFamily="50" charset="-128"/>
               <a:ea typeface="Meiryo UI" panose="020B0604030504040204" pitchFamily="50" charset="-128"/>
             </a:endParaRPr>
@@ -4049,7 +4316,7 @@
           <a:p>
             <a:pPr algn="ctr"/>
             <a:r>
-              <a:rPr kumimoji="1" lang="ja-JP" altLang="en-US" sz="1600" dirty="0">
+              <a:rPr kumimoji="1" lang="ja-JP" altLang="en-US" sz="1600" b="1" dirty="0">
                 <a:latin typeface="Meiryo UI" panose="020B0604030504040204" pitchFamily="50" charset="-128"/>
                 <a:ea typeface="Meiryo UI" panose="020B0604030504040204" pitchFamily="50" charset="-128"/>
               </a:rPr>
@@ -4119,13 +4386,13 @@
           <a:p>
             <a:pPr algn="ctr"/>
             <a:r>
-              <a:rPr lang="ja-JP" altLang="en-US" sz="1600" dirty="0">
+              <a:rPr lang="ja-JP" altLang="en-US" sz="1600" b="1" dirty="0">
                 <a:latin typeface="Meiryo UI" panose="020B0604030504040204" pitchFamily="50" charset="-128"/>
                 <a:ea typeface="Meiryo UI" panose="020B0604030504040204" pitchFamily="50" charset="-128"/>
               </a:rPr>
               <a:t>見積明細</a:t>
             </a:r>
-            <a:endParaRPr kumimoji="1" lang="ja-JP" altLang="en-US" sz="1600" dirty="0">
+            <a:endParaRPr kumimoji="1" lang="ja-JP" altLang="en-US" sz="1600" b="1" dirty="0">
               <a:latin typeface="Meiryo UI" panose="020B0604030504040204" pitchFamily="50" charset="-128"/>
               <a:ea typeface="Meiryo UI" panose="020B0604030504040204" pitchFamily="50" charset="-128"/>
             </a:endParaRPr>
@@ -4179,8 +4446,8 @@
         </p:nvSpPr>
         <p:spPr>
           <a:xfrm>
-            <a:off x="3158390" y="3341002"/>
-            <a:ext cx="1362874" cy="523220"/>
+            <a:off x="3120720" y="3341002"/>
+            <a:ext cx="1438215" cy="523220"/>
           </a:xfrm>
           <a:prstGeom prst="rect">
             <a:avLst/>
@@ -4230,7 +4497,7 @@
                 <a:latin typeface="Meiryo UI" panose="020B0604030504040204" pitchFamily="50" charset="-128"/>
                 <a:ea typeface="Meiryo UI" panose="020B0604030504040204" pitchFamily="50" charset="-128"/>
               </a:rPr>
-              <a:t>同居親子</a:t>
+              <a:t>同居親子関係</a:t>
             </a:r>
             <a:r>
               <a:rPr kumimoji="1" lang="en-US" altLang="ja-JP" sz="1400" b="1" dirty="0">
@@ -4331,7 +4598,7 @@
                 <a:latin typeface="Meiryo UI" panose="020B0604030504040204" pitchFamily="50" charset="-128"/>
                 <a:ea typeface="Meiryo UI" panose="020B0604030504040204" pitchFamily="50" charset="-128"/>
               </a:rPr>
-              <a:t>見積書</a:t>
+              <a:t>見積書アプリ</a:t>
             </a:r>
           </a:p>
         </p:txBody>
@@ -4344,8 +4611,8 @@
         </p:nvSpPr>
         <p:spPr>
           <a:xfrm>
-            <a:off x="6146083" y="3989414"/>
-            <a:ext cx="1362874" cy="523220"/>
+            <a:off x="6108413" y="3989414"/>
+            <a:ext cx="1438215" cy="523220"/>
           </a:xfrm>
           <a:prstGeom prst="rect">
             <a:avLst/>
@@ -4399,7 +4666,7 @@
                 <a:latin typeface="Meiryo UI" panose="020B0604030504040204" pitchFamily="50" charset="-128"/>
                 <a:ea typeface="Meiryo UI" panose="020B0604030504040204" pitchFamily="50" charset="-128"/>
               </a:rPr>
-              <a:t>独立親子</a:t>
+              <a:t>独立親子関係</a:t>
             </a:r>
             <a:r>
               <a:rPr kumimoji="1" lang="en-US" altLang="ja-JP" sz="1400" b="1" dirty="0">
@@ -4419,6 +4686,324 @@
     <p:extLst>
       <p:ext uri="{BB962C8B-B14F-4D97-AF65-F5344CB8AC3E}">
         <p14:creationId xmlns:p14="http://schemas.microsoft.com/office/powerpoint/2010/main" val="2799840782"/>
+      </p:ext>
+    </p:extLst>
+  </p:cSld>
+  <p:clrMapOvr>
+    <a:masterClrMapping/>
+  </p:clrMapOvr>
+</p:sld>
+</file>
+
+<file path=ppt/slides/slide3.xml><?xml version="1.0" encoding="utf-8"?>
+<p:sld xmlns:a="http://schemas.openxmlformats.org/drawingml/2006/main" xmlns:r="http://schemas.openxmlformats.org/officeDocument/2006/relationships" xmlns:p="http://schemas.openxmlformats.org/presentationml/2006/main">
+  <p:cSld>
+    <p:spTree>
+      <p:nvGrpSpPr>
+        <p:cNvPr id="1" name=""/>
+        <p:cNvGrpSpPr/>
+        <p:nvPr/>
+      </p:nvGrpSpPr>
+      <p:grpSpPr>
+        <a:xfrm>
+          <a:off x="0" y="0"/>
+          <a:ext cx="0" cy="0"/>
+          <a:chOff x="0" y="0"/>
+          <a:chExt cx="0" cy="0"/>
+        </a:xfrm>
+      </p:grpSpPr>
+      <p:pic>
+        <p:nvPicPr>
+          <p:cNvPr id="3" name="図 2"/>
+          <p:cNvPicPr>
+            <a:picLocks noChangeAspect="1"/>
+          </p:cNvPicPr>
+          <p:nvPr/>
+        </p:nvPicPr>
+        <p:blipFill>
+          <a:blip r:embed="rId3"/>
+          <a:stretch>
+            <a:fillRect/>
+          </a:stretch>
+        </p:blipFill>
+        <p:spPr>
+          <a:xfrm>
+            <a:off x="1104900" y="1362074"/>
+            <a:ext cx="9243394" cy="4429126"/>
+          </a:xfrm>
+          <a:prstGeom prst="rect">
+            <a:avLst/>
+          </a:prstGeom>
+        </p:spPr>
+      </p:pic>
+      <p:cxnSp>
+        <p:nvCxnSpPr>
+          <p:cNvPr id="5" name="直線矢印コネクタ 4"/>
+          <p:cNvCxnSpPr/>
+          <p:nvPr/>
+        </p:nvCxnSpPr>
+        <p:spPr>
+          <a:xfrm flipH="1">
+            <a:off x="6561455" y="2151380"/>
+            <a:ext cx="1257300" cy="9525"/>
+          </a:xfrm>
+          <a:prstGeom prst="straightConnector1">
+            <a:avLst/>
+          </a:prstGeom>
+          <a:ln w="50800">
+            <a:tailEnd type="triangle"/>
+          </a:ln>
+        </p:spPr>
+        <p:style>
+          <a:lnRef idx="1">
+            <a:schemeClr val="accent1"/>
+          </a:lnRef>
+          <a:fillRef idx="0">
+            <a:schemeClr val="accent1"/>
+          </a:fillRef>
+          <a:effectRef idx="0">
+            <a:schemeClr val="accent1"/>
+          </a:effectRef>
+          <a:fontRef idx="minor">
+            <a:schemeClr val="tx1"/>
+          </a:fontRef>
+        </p:style>
+      </p:cxnSp>
+      <p:cxnSp>
+        <p:nvCxnSpPr>
+          <p:cNvPr id="6" name="直線矢印コネクタ 5"/>
+          <p:cNvCxnSpPr/>
+          <p:nvPr/>
+        </p:nvCxnSpPr>
+        <p:spPr>
+          <a:xfrm flipH="1">
+            <a:off x="6561455" y="3571874"/>
+            <a:ext cx="1257300" cy="9525"/>
+          </a:xfrm>
+          <a:prstGeom prst="straightConnector1">
+            <a:avLst/>
+          </a:prstGeom>
+          <a:ln w="50800">
+            <a:tailEnd type="triangle"/>
+          </a:ln>
+        </p:spPr>
+        <p:style>
+          <a:lnRef idx="1">
+            <a:schemeClr val="accent1"/>
+          </a:lnRef>
+          <a:fillRef idx="0">
+            <a:schemeClr val="accent1"/>
+          </a:fillRef>
+          <a:effectRef idx="0">
+            <a:schemeClr val="accent1"/>
+          </a:effectRef>
+          <a:fontRef idx="minor">
+            <a:schemeClr val="tx1"/>
+          </a:fontRef>
+        </p:style>
+      </p:cxnSp>
+      <p:cxnSp>
+        <p:nvCxnSpPr>
+          <p:cNvPr id="7" name="直線矢印コネクタ 6"/>
+          <p:cNvCxnSpPr/>
+          <p:nvPr/>
+        </p:nvCxnSpPr>
+        <p:spPr>
+          <a:xfrm flipV="1">
+            <a:off x="3576320" y="3474720"/>
+            <a:ext cx="1148080" cy="1"/>
+          </a:xfrm>
+          <a:prstGeom prst="straightConnector1">
+            <a:avLst/>
+          </a:prstGeom>
+          <a:ln w="50800">
+            <a:tailEnd type="triangle"/>
+          </a:ln>
+        </p:spPr>
+        <p:style>
+          <a:lnRef idx="1">
+            <a:schemeClr val="accent1"/>
+          </a:lnRef>
+          <a:fillRef idx="0">
+            <a:schemeClr val="accent1"/>
+          </a:fillRef>
+          <a:effectRef idx="0">
+            <a:schemeClr val="accent1"/>
+          </a:effectRef>
+          <a:fontRef idx="minor">
+            <a:schemeClr val="tx1"/>
+          </a:fontRef>
+        </p:style>
+      </p:cxnSp>
+      <p:cxnSp>
+        <p:nvCxnSpPr>
+          <p:cNvPr id="10" name="直線矢印コネクタ 9"/>
+          <p:cNvCxnSpPr/>
+          <p:nvPr/>
+        </p:nvCxnSpPr>
+        <p:spPr>
+          <a:xfrm>
+            <a:off x="5726597" y="2529841"/>
+            <a:ext cx="0" cy="528319"/>
+          </a:xfrm>
+          <a:prstGeom prst="straightConnector1">
+            <a:avLst/>
+          </a:prstGeom>
+          <a:ln w="50800">
+            <a:tailEnd type="triangle"/>
+          </a:ln>
+        </p:spPr>
+        <p:style>
+          <a:lnRef idx="1">
+            <a:schemeClr val="accent1"/>
+          </a:lnRef>
+          <a:fillRef idx="0">
+            <a:schemeClr val="accent1"/>
+          </a:fillRef>
+          <a:effectRef idx="0">
+            <a:schemeClr val="accent1"/>
+          </a:effectRef>
+          <a:fontRef idx="minor">
+            <a:schemeClr val="tx1"/>
+          </a:fontRef>
+        </p:style>
+      </p:cxnSp>
+      <p:cxnSp>
+        <p:nvCxnSpPr>
+          <p:cNvPr id="13" name="直線矢印コネクタ 12"/>
+          <p:cNvCxnSpPr/>
+          <p:nvPr/>
+        </p:nvCxnSpPr>
+        <p:spPr>
+          <a:xfrm>
+            <a:off x="3576320" y="3474720"/>
+            <a:ext cx="1148080" cy="1391920"/>
+          </a:xfrm>
+          <a:prstGeom prst="straightConnector1">
+            <a:avLst/>
+          </a:prstGeom>
+          <a:ln w="50800">
+            <a:tailEnd type="triangle"/>
+          </a:ln>
+        </p:spPr>
+        <p:style>
+          <a:lnRef idx="1">
+            <a:schemeClr val="accent1"/>
+          </a:lnRef>
+          <a:fillRef idx="0">
+            <a:schemeClr val="accent1"/>
+          </a:fillRef>
+          <a:effectRef idx="0">
+            <a:schemeClr val="accent1"/>
+          </a:effectRef>
+          <a:fontRef idx="minor">
+            <a:schemeClr val="tx1"/>
+          </a:fontRef>
+        </p:style>
+      </p:cxnSp>
+      <p:cxnSp>
+        <p:nvCxnSpPr>
+          <p:cNvPr id="16" name="直線矢印コネクタ 15"/>
+          <p:cNvCxnSpPr/>
+          <p:nvPr/>
+        </p:nvCxnSpPr>
+        <p:spPr>
+          <a:xfrm>
+            <a:off x="6561455" y="4866640"/>
+            <a:ext cx="1257300" cy="0"/>
+          </a:xfrm>
+          <a:prstGeom prst="straightConnector1">
+            <a:avLst/>
+          </a:prstGeom>
+          <a:ln w="50800">
+            <a:tailEnd type="triangle"/>
+          </a:ln>
+        </p:spPr>
+        <p:style>
+          <a:lnRef idx="1">
+            <a:schemeClr val="accent1"/>
+          </a:lnRef>
+          <a:fillRef idx="0">
+            <a:schemeClr val="accent1"/>
+          </a:fillRef>
+          <a:effectRef idx="0">
+            <a:schemeClr val="accent1"/>
+          </a:effectRef>
+          <a:fontRef idx="minor">
+            <a:schemeClr val="tx1"/>
+          </a:fontRef>
+        </p:style>
+      </p:cxnSp>
+      <p:cxnSp>
+        <p:nvCxnSpPr>
+          <p:cNvPr id="19" name="直線矢印コネクタ 18"/>
+          <p:cNvCxnSpPr/>
+          <p:nvPr/>
+        </p:nvCxnSpPr>
+        <p:spPr>
+          <a:xfrm>
+            <a:off x="8733957" y="3906520"/>
+            <a:ext cx="0" cy="528319"/>
+          </a:xfrm>
+          <a:prstGeom prst="straightConnector1">
+            <a:avLst/>
+          </a:prstGeom>
+          <a:ln w="50800">
+            <a:tailEnd type="triangle"/>
+          </a:ln>
+        </p:spPr>
+        <p:style>
+          <a:lnRef idx="1">
+            <a:schemeClr val="accent1"/>
+          </a:lnRef>
+          <a:fillRef idx="0">
+            <a:schemeClr val="accent1"/>
+          </a:fillRef>
+          <a:effectRef idx="0">
+            <a:schemeClr val="accent1"/>
+          </a:effectRef>
+          <a:fontRef idx="minor">
+            <a:schemeClr val="tx1"/>
+          </a:fontRef>
+        </p:style>
+      </p:cxnSp>
+      <p:cxnSp>
+        <p:nvCxnSpPr>
+          <p:cNvPr id="20" name="直線矢印コネクタ 19"/>
+          <p:cNvCxnSpPr/>
+          <p:nvPr/>
+        </p:nvCxnSpPr>
+        <p:spPr>
+          <a:xfrm>
+            <a:off x="8733957" y="2529841"/>
+            <a:ext cx="0" cy="528319"/>
+          </a:xfrm>
+          <a:prstGeom prst="straightConnector1">
+            <a:avLst/>
+          </a:prstGeom>
+          <a:ln w="50800">
+            <a:tailEnd type="triangle"/>
+          </a:ln>
+        </p:spPr>
+        <p:style>
+          <a:lnRef idx="1">
+            <a:schemeClr val="accent1"/>
+          </a:lnRef>
+          <a:fillRef idx="0">
+            <a:schemeClr val="accent1"/>
+          </a:fillRef>
+          <a:effectRef idx="0">
+            <a:schemeClr val="accent1"/>
+          </a:effectRef>
+          <a:fontRef idx="minor">
+            <a:schemeClr val="tx1"/>
+          </a:fontRef>
+        </p:style>
+      </p:cxnSp>
+    </p:spTree>
+    <p:extLst>
+      <p:ext uri="{BB962C8B-B14F-4D97-AF65-F5344CB8AC3E}">
+        <p14:creationId xmlns:p14="http://schemas.microsoft.com/office/powerpoint/2010/main" val="2982109961"/>
       </p:ext>
     </p:extLst>
   </p:cSld>

--- a/cdn/2016/dn1608explanatory.pptx
+++ b/cdn/2016/dn1608explanatory.pptx
@@ -5,12 +5,13 @@
     <p:sldMasterId id="2147483648" r:id="rId1"/>
   </p:sldMasterIdLst>
   <p:notesMasterIdLst>
-    <p:notesMasterId r:id="rId5"/>
+    <p:notesMasterId r:id="rId6"/>
   </p:notesMasterIdLst>
   <p:sldIdLst>
     <p:sldId id="259" r:id="rId2"/>
     <p:sldId id="258" r:id="rId3"/>
-    <p:sldId id="260" r:id="rId4"/>
+    <p:sldId id="261" r:id="rId4"/>
+    <p:sldId id="260" r:id="rId5"/>
   </p:sldIdLst>
   <p:sldSz cx="12192000" cy="6858000"/>
   <p:notesSz cx="6858000" cy="9144000"/>
@@ -199,7 +200,7 @@
           <a:p>
             <a:fld id="{A82937E7-3991-45AD-9B84-B9BB0E6C8E34}" type="datetimeFigureOut">
               <a:rPr kumimoji="1" lang="ja-JP" altLang="en-US" smtClean="0"/>
-              <a:t>2016/8/24</a:t>
+              <a:t>2016/9/5</a:t>
             </a:fld>
             <a:endParaRPr kumimoji="1" lang="ja-JP" altLang="en-US"/>
           </a:p>
@@ -718,7 +719,7 @@
           <a:p>
             <a:r>
               <a:rPr kumimoji="1" lang="ja-JP" altLang="en-US" dirty="0"/>
-              <a:t>未使用</a:t>
+              <a:t>アプリストア・商品見積書パックの概要データモデル</a:t>
             </a:r>
           </a:p>
         </p:txBody>
@@ -741,6 +742,103 @@
             <a:fld id="{DC5A928C-433C-42F4-8BAF-76E8EFBA0822}" type="slidenum">
               <a:rPr kumimoji="1" lang="ja-JP" altLang="en-US" smtClean="0"/>
               <a:t>3</a:t>
+            </a:fld>
+            <a:endParaRPr kumimoji="1" lang="ja-JP" altLang="en-US"/>
+          </a:p>
+        </p:txBody>
+      </p:sp>
+    </p:spTree>
+    <p:extLst>
+      <p:ext uri="{BB962C8B-B14F-4D97-AF65-F5344CB8AC3E}">
+        <p14:creationId xmlns:p14="http://schemas.microsoft.com/office/powerpoint/2010/main" val="3803089684"/>
+      </p:ext>
+    </p:extLst>
+  </p:cSld>
+  <p:clrMapOvr>
+    <a:masterClrMapping/>
+  </p:clrMapOvr>
+</p:notes>
+</file>
+
+<file path=ppt/notesSlides/notesSlide4.xml><?xml version="1.0" encoding="utf-8"?>
+<p:notes xmlns:a="http://schemas.openxmlformats.org/drawingml/2006/main" xmlns:r="http://schemas.openxmlformats.org/officeDocument/2006/relationships" xmlns:p="http://schemas.openxmlformats.org/presentationml/2006/main">
+  <p:cSld>
+    <p:spTree>
+      <p:nvGrpSpPr>
+        <p:cNvPr id="1" name=""/>
+        <p:cNvGrpSpPr/>
+        <p:nvPr/>
+      </p:nvGrpSpPr>
+      <p:grpSpPr>
+        <a:xfrm>
+          <a:off x="0" y="0"/>
+          <a:ext cx="0" cy="0"/>
+          <a:chOff x="0" y="0"/>
+          <a:chExt cx="0" cy="0"/>
+        </a:xfrm>
+      </p:grpSpPr>
+      <p:sp>
+        <p:nvSpPr>
+          <p:cNvPr id="2" name="スライド イメージ プレースホルダー 1"/>
+          <p:cNvSpPr>
+            <a:spLocks noGrp="1" noRot="1" noChangeAspect="1"/>
+          </p:cNvSpPr>
+          <p:nvPr>
+            <p:ph type="sldImg"/>
+          </p:nvPr>
+        </p:nvSpPr>
+        <p:spPr/>
+      </p:sp>
+      <p:sp>
+        <p:nvSpPr>
+          <p:cNvPr id="3" name="ノート プレースホルダー 2"/>
+          <p:cNvSpPr>
+            <a:spLocks noGrp="1"/>
+          </p:cNvSpPr>
+          <p:nvPr>
+            <p:ph type="body" idx="1"/>
+          </p:nvPr>
+        </p:nvSpPr>
+        <p:spPr/>
+        <p:txBody>
+          <a:bodyPr/>
+          <a:lstStyle/>
+          <a:p>
+            <a:r>
+              <a:rPr kumimoji="1" lang="ja-JP" altLang="en-US" dirty="0"/>
+              <a:t>未使用</a:t>
+            </a:r>
+            <a:endParaRPr kumimoji="1" lang="en-US" altLang="ja-JP" dirty="0"/>
+          </a:p>
+          <a:p>
+            <a:r>
+              <a:rPr kumimoji="1" lang="en-US" altLang="ja-JP"/>
+              <a:t>http://www1.nw-exam.com/kotsu/kotsu004.html</a:t>
+            </a:r>
+          </a:p>
+          <a:p>
+            <a:endParaRPr kumimoji="1" lang="ja-JP" altLang="en-US" dirty="0"/>
+          </a:p>
+        </p:txBody>
+      </p:sp>
+      <p:sp>
+        <p:nvSpPr>
+          <p:cNvPr id="4" name="スライド番号プレースホルダー 3"/>
+          <p:cNvSpPr>
+            <a:spLocks noGrp="1"/>
+          </p:cNvSpPr>
+          <p:nvPr>
+            <p:ph type="sldNum" sz="quarter" idx="10"/>
+          </p:nvPr>
+        </p:nvSpPr>
+        <p:spPr/>
+        <p:txBody>
+          <a:bodyPr/>
+          <a:lstStyle/>
+          <a:p>
+            <a:fld id="{DC5A928C-433C-42F4-8BAF-76E8EFBA0822}" type="slidenum">
+              <a:rPr kumimoji="1" lang="ja-JP" altLang="en-US" smtClean="0"/>
+              <a:t>4</a:t>
             </a:fld>
             <a:endParaRPr kumimoji="1" lang="ja-JP" altLang="en-US"/>
           </a:p>
@@ -888,7 +986,7 @@
           <a:p>
             <a:fld id="{94219EF5-4222-44D3-AB33-808FF9545A4A}" type="datetimeFigureOut">
               <a:rPr kumimoji="1" lang="ja-JP" altLang="en-US" smtClean="0"/>
-              <a:t>2016/8/24</a:t>
+              <a:t>2016/9/5</a:t>
             </a:fld>
             <a:endParaRPr kumimoji="1" lang="ja-JP" altLang="en-US"/>
           </a:p>
@@ -1088,7 +1186,7 @@
           <a:p>
             <a:fld id="{94219EF5-4222-44D3-AB33-808FF9545A4A}" type="datetimeFigureOut">
               <a:rPr kumimoji="1" lang="ja-JP" altLang="en-US" smtClean="0"/>
-              <a:t>2016/8/24</a:t>
+              <a:t>2016/9/5</a:t>
             </a:fld>
             <a:endParaRPr kumimoji="1" lang="ja-JP" altLang="en-US"/>
           </a:p>
@@ -1298,7 +1396,7 @@
           <a:p>
             <a:fld id="{94219EF5-4222-44D3-AB33-808FF9545A4A}" type="datetimeFigureOut">
               <a:rPr kumimoji="1" lang="ja-JP" altLang="en-US" smtClean="0"/>
-              <a:t>2016/8/24</a:t>
+              <a:t>2016/9/5</a:t>
             </a:fld>
             <a:endParaRPr kumimoji="1" lang="ja-JP" altLang="en-US"/>
           </a:p>
@@ -1498,7 +1596,7 @@
           <a:p>
             <a:fld id="{94219EF5-4222-44D3-AB33-808FF9545A4A}" type="datetimeFigureOut">
               <a:rPr kumimoji="1" lang="ja-JP" altLang="en-US" smtClean="0"/>
-              <a:t>2016/8/24</a:t>
+              <a:t>2016/9/5</a:t>
             </a:fld>
             <a:endParaRPr kumimoji="1" lang="ja-JP" altLang="en-US"/>
           </a:p>
@@ -1743,7 +1841,7 @@
           <a:p>
             <a:fld id="{94219EF5-4222-44D3-AB33-808FF9545A4A}" type="datetimeFigureOut">
               <a:rPr kumimoji="1" lang="ja-JP" altLang="en-US" smtClean="0"/>
-              <a:t>2016/8/24</a:t>
+              <a:t>2016/9/5</a:t>
             </a:fld>
             <a:endParaRPr kumimoji="1" lang="ja-JP" altLang="en-US"/>
           </a:p>
@@ -2036,7 +2134,7 @@
           <a:p>
             <a:fld id="{94219EF5-4222-44D3-AB33-808FF9545A4A}" type="datetimeFigureOut">
               <a:rPr kumimoji="1" lang="ja-JP" altLang="en-US" smtClean="0"/>
-              <a:t>2016/8/24</a:t>
+              <a:t>2016/9/5</a:t>
             </a:fld>
             <a:endParaRPr kumimoji="1" lang="ja-JP" altLang="en-US"/>
           </a:p>
@@ -2464,7 +2562,7 @@
           <a:p>
             <a:fld id="{94219EF5-4222-44D3-AB33-808FF9545A4A}" type="datetimeFigureOut">
               <a:rPr kumimoji="1" lang="ja-JP" altLang="en-US" smtClean="0"/>
-              <a:t>2016/8/24</a:t>
+              <a:t>2016/9/5</a:t>
             </a:fld>
             <a:endParaRPr kumimoji="1" lang="ja-JP" altLang="en-US"/>
           </a:p>
@@ -2581,7 +2679,7 @@
           <a:p>
             <a:fld id="{94219EF5-4222-44D3-AB33-808FF9545A4A}" type="datetimeFigureOut">
               <a:rPr kumimoji="1" lang="ja-JP" altLang="en-US" smtClean="0"/>
-              <a:t>2016/8/24</a:t>
+              <a:t>2016/9/5</a:t>
             </a:fld>
             <a:endParaRPr kumimoji="1" lang="ja-JP" altLang="en-US"/>
           </a:p>
@@ -2676,7 +2774,7 @@
           <a:p>
             <a:fld id="{94219EF5-4222-44D3-AB33-808FF9545A4A}" type="datetimeFigureOut">
               <a:rPr kumimoji="1" lang="ja-JP" altLang="en-US" smtClean="0"/>
-              <a:t>2016/8/24</a:t>
+              <a:t>2016/9/5</a:t>
             </a:fld>
             <a:endParaRPr kumimoji="1" lang="ja-JP" altLang="en-US"/>
           </a:p>
@@ -2983,7 +3081,7 @@
           <a:p>
             <a:fld id="{94219EF5-4222-44D3-AB33-808FF9545A4A}" type="datetimeFigureOut">
               <a:rPr kumimoji="1" lang="ja-JP" altLang="en-US" smtClean="0"/>
-              <a:t>2016/8/24</a:t>
+              <a:t>2016/9/5</a:t>
             </a:fld>
             <a:endParaRPr kumimoji="1" lang="ja-JP" altLang="en-US"/>
           </a:p>
@@ -3235,7 +3333,7 @@
           <a:p>
             <a:fld id="{94219EF5-4222-44D3-AB33-808FF9545A4A}" type="datetimeFigureOut">
               <a:rPr kumimoji="1" lang="ja-JP" altLang="en-US" smtClean="0"/>
-              <a:t>2016/8/24</a:t>
+              <a:t>2016/9/5</a:t>
             </a:fld>
             <a:endParaRPr kumimoji="1" lang="ja-JP" altLang="en-US"/>
           </a:p>
@@ -3478,7 +3576,7 @@
           <a:p>
             <a:fld id="{94219EF5-4222-44D3-AB33-808FF9545A4A}" type="datetimeFigureOut">
               <a:rPr kumimoji="1" lang="ja-JP" altLang="en-US" smtClean="0"/>
-              <a:t>2016/8/24</a:t>
+              <a:t>2016/9/5</a:t>
             </a:fld>
             <a:endParaRPr kumimoji="1" lang="ja-JP" altLang="en-US"/>
           </a:p>
@@ -4696,6 +4794,530 @@
 </file>
 
 <file path=ppt/slides/slide3.xml><?xml version="1.0" encoding="utf-8"?>
+<p:sld xmlns:a="http://schemas.openxmlformats.org/drawingml/2006/main" xmlns:r="http://schemas.openxmlformats.org/officeDocument/2006/relationships" xmlns:p="http://schemas.openxmlformats.org/presentationml/2006/main">
+  <p:cSld>
+    <p:spTree>
+      <p:nvGrpSpPr>
+        <p:cNvPr id="1" name=""/>
+        <p:cNvGrpSpPr/>
+        <p:nvPr/>
+      </p:nvGrpSpPr>
+      <p:grpSpPr>
+        <a:xfrm>
+          <a:off x="0" y="0"/>
+          <a:ext cx="0" cy="0"/>
+          <a:chOff x="0" y="0"/>
+          <a:chExt cx="0" cy="0"/>
+        </a:xfrm>
+      </p:grpSpPr>
+      <p:sp>
+        <p:nvSpPr>
+          <p:cNvPr id="4" name="タイトル 3"/>
+          <p:cNvSpPr>
+            <a:spLocks noGrp="1"/>
+          </p:cNvSpPr>
+          <p:nvPr>
+            <p:ph type="title"/>
+          </p:nvPr>
+        </p:nvSpPr>
+        <p:spPr>
+          <a:xfrm>
+            <a:off x="838200" y="320880"/>
+            <a:ext cx="10515600" cy="1325563"/>
+          </a:xfrm>
+        </p:spPr>
+        <p:txBody>
+          <a:bodyPr anchor="t">
+            <a:normAutofit/>
+          </a:bodyPr>
+          <a:lstStyle/>
+          <a:p>
+            <a:pPr algn="ctr"/>
+            <a:r>
+              <a:rPr kumimoji="1" lang="ja-JP" altLang="en-US" sz="2400" b="1" dirty="0">
+                <a:latin typeface="Meiryo UI" panose="020B0604030504040204" pitchFamily="50" charset="-128"/>
+                <a:ea typeface="Meiryo UI" panose="020B0604030504040204" pitchFamily="50" charset="-128"/>
+              </a:rPr>
+              <a:t>概要データモデル</a:t>
+            </a:r>
+            <a:r>
+              <a:rPr lang="ja-JP" altLang="en-US" sz="2400" b="1" dirty="0">
+                <a:latin typeface="Meiryo UI" panose="020B0604030504040204" pitchFamily="50" charset="-128"/>
+                <a:ea typeface="Meiryo UI" panose="020B0604030504040204" pitchFamily="50" charset="-128"/>
+              </a:rPr>
+              <a:t>・見積明細の「独立親子関係」化</a:t>
+            </a:r>
+            <a:endParaRPr kumimoji="1" lang="ja-JP" altLang="en-US" sz="4800" b="1" dirty="0">
+              <a:latin typeface="Meiryo UI" panose="020B0604030504040204" pitchFamily="50" charset="-128"/>
+              <a:ea typeface="Meiryo UI" panose="020B0604030504040204" pitchFamily="50" charset="-128"/>
+            </a:endParaRPr>
+          </a:p>
+        </p:txBody>
+      </p:sp>
+      <p:sp>
+        <p:nvSpPr>
+          <p:cNvPr id="7" name="角丸四角形 6"/>
+          <p:cNvSpPr/>
+          <p:nvPr/>
+        </p:nvSpPr>
+        <p:spPr>
+          <a:xfrm>
+            <a:off x="7666184" y="4158914"/>
+            <a:ext cx="1828800" cy="746620"/>
+          </a:xfrm>
+          <a:prstGeom prst="roundRect">
+            <a:avLst/>
+          </a:prstGeom>
+          <a:gradFill flip="none" rotWithShape="1">
+            <a:gsLst>
+              <a:gs pos="0">
+                <a:schemeClr val="accent6">
+                  <a:lumMod val="67000"/>
+                </a:schemeClr>
+              </a:gs>
+              <a:gs pos="48000">
+                <a:schemeClr val="accent6">
+                  <a:lumMod val="97000"/>
+                  <a:lumOff val="3000"/>
+                </a:schemeClr>
+              </a:gs>
+              <a:gs pos="100000">
+                <a:schemeClr val="accent6">
+                  <a:lumMod val="60000"/>
+                  <a:lumOff val="40000"/>
+                </a:schemeClr>
+              </a:gs>
+            </a:gsLst>
+            <a:lin ang="16200000" scaled="1"/>
+            <a:tileRect/>
+          </a:gradFill>
+          <a:ln>
+            <a:noFill/>
+          </a:ln>
+        </p:spPr>
+        <p:style>
+          <a:lnRef idx="0">
+            <a:scrgbClr r="0" g="0" b="0"/>
+          </a:lnRef>
+          <a:fillRef idx="0">
+            <a:scrgbClr r="0" g="0" b="0"/>
+          </a:fillRef>
+          <a:effectRef idx="0">
+            <a:scrgbClr r="0" g="0" b="0"/>
+          </a:effectRef>
+          <a:fontRef idx="minor">
+            <a:schemeClr val="lt1"/>
+          </a:fontRef>
+        </p:style>
+        <p:txBody>
+          <a:bodyPr rtlCol="0" anchor="ctr"/>
+          <a:lstStyle/>
+          <a:p>
+            <a:pPr algn="ctr"/>
+            <a:r>
+              <a:rPr lang="ja-JP" altLang="en-US" sz="1600" b="1" dirty="0">
+                <a:latin typeface="Meiryo UI" panose="020B0604030504040204" pitchFamily="50" charset="-128"/>
+                <a:ea typeface="Meiryo UI" panose="020B0604030504040204" pitchFamily="50" charset="-128"/>
+              </a:rPr>
+              <a:t>商品リストアプリ</a:t>
+            </a:r>
+            <a:endParaRPr kumimoji="1" lang="ja-JP" altLang="en-US" sz="1600" b="1" dirty="0">
+              <a:latin typeface="Meiryo UI" panose="020B0604030504040204" pitchFamily="50" charset="-128"/>
+              <a:ea typeface="Meiryo UI" panose="020B0604030504040204" pitchFamily="50" charset="-128"/>
+            </a:endParaRPr>
+          </a:p>
+        </p:txBody>
+      </p:sp>
+      <p:sp>
+        <p:nvSpPr>
+          <p:cNvPr id="17" name="角丸四角形 16"/>
+          <p:cNvSpPr/>
+          <p:nvPr/>
+        </p:nvSpPr>
+        <p:spPr>
+          <a:xfrm>
+            <a:off x="3634154" y="2261503"/>
+            <a:ext cx="1828800" cy="746620"/>
+          </a:xfrm>
+          <a:prstGeom prst="roundRect">
+            <a:avLst/>
+          </a:prstGeom>
+          <a:gradFill flip="none" rotWithShape="1">
+            <a:gsLst>
+              <a:gs pos="0">
+                <a:schemeClr val="accent5">
+                  <a:lumMod val="67000"/>
+                </a:schemeClr>
+              </a:gs>
+              <a:gs pos="48000">
+                <a:schemeClr val="accent5">
+                  <a:lumMod val="97000"/>
+                  <a:lumOff val="3000"/>
+                </a:schemeClr>
+              </a:gs>
+              <a:gs pos="100000">
+                <a:schemeClr val="accent5">
+                  <a:lumMod val="60000"/>
+                  <a:lumOff val="40000"/>
+                </a:schemeClr>
+              </a:gs>
+            </a:gsLst>
+            <a:lin ang="16200000" scaled="1"/>
+            <a:tileRect/>
+          </a:gradFill>
+          <a:ln>
+            <a:noFill/>
+          </a:ln>
+        </p:spPr>
+        <p:style>
+          <a:lnRef idx="0">
+            <a:scrgbClr r="0" g="0" b="0"/>
+          </a:lnRef>
+          <a:fillRef idx="0">
+            <a:scrgbClr r="0" g="0" b="0"/>
+          </a:fillRef>
+          <a:effectRef idx="0">
+            <a:scrgbClr r="0" g="0" b="0"/>
+          </a:effectRef>
+          <a:fontRef idx="minor">
+            <a:schemeClr val="lt1"/>
+          </a:fontRef>
+        </p:style>
+        <p:txBody>
+          <a:bodyPr rtlCol="0" anchor="ctr"/>
+          <a:lstStyle/>
+          <a:p>
+            <a:pPr algn="ctr"/>
+            <a:r>
+              <a:rPr kumimoji="1" lang="ja-JP" altLang="en-US" sz="1600" b="1" dirty="0">
+                <a:latin typeface="Meiryo UI" panose="020B0604030504040204" pitchFamily="50" charset="-128"/>
+                <a:ea typeface="Meiryo UI" panose="020B0604030504040204" pitchFamily="50" charset="-128"/>
+              </a:rPr>
+              <a:t>見積アプリ</a:t>
+            </a:r>
+          </a:p>
+        </p:txBody>
+      </p:sp>
+      <p:sp>
+        <p:nvSpPr>
+          <p:cNvPr id="27" name="角丸四角形 26"/>
+          <p:cNvSpPr/>
+          <p:nvPr/>
+        </p:nvSpPr>
+        <p:spPr>
+          <a:xfrm>
+            <a:off x="3634154" y="4158914"/>
+            <a:ext cx="1828800" cy="746620"/>
+          </a:xfrm>
+          <a:prstGeom prst="roundRect">
+            <a:avLst/>
+          </a:prstGeom>
+          <a:gradFill flip="none" rotWithShape="1">
+            <a:gsLst>
+              <a:gs pos="0">
+                <a:schemeClr val="accent5">
+                  <a:lumMod val="67000"/>
+                </a:schemeClr>
+              </a:gs>
+              <a:gs pos="48000">
+                <a:schemeClr val="accent5">
+                  <a:lumMod val="97000"/>
+                  <a:lumOff val="3000"/>
+                </a:schemeClr>
+              </a:gs>
+              <a:gs pos="100000">
+                <a:schemeClr val="accent5">
+                  <a:lumMod val="60000"/>
+                  <a:lumOff val="40000"/>
+                </a:schemeClr>
+              </a:gs>
+            </a:gsLst>
+            <a:lin ang="16200000" scaled="1"/>
+            <a:tileRect/>
+          </a:gradFill>
+          <a:ln>
+            <a:noFill/>
+          </a:ln>
+        </p:spPr>
+        <p:style>
+          <a:lnRef idx="0">
+            <a:scrgbClr r="0" g="0" b="0"/>
+          </a:lnRef>
+          <a:fillRef idx="0">
+            <a:scrgbClr r="0" g="0" b="0"/>
+          </a:fillRef>
+          <a:effectRef idx="0">
+            <a:scrgbClr r="0" g="0" b="0"/>
+          </a:effectRef>
+          <a:fontRef idx="minor">
+            <a:schemeClr val="lt1"/>
+          </a:fontRef>
+        </p:style>
+        <p:txBody>
+          <a:bodyPr rtlCol="0" anchor="ctr"/>
+          <a:lstStyle/>
+          <a:p>
+            <a:pPr algn="ctr"/>
+            <a:r>
+              <a:rPr lang="ja-JP" altLang="en-US" sz="1600" b="1" dirty="0">
+                <a:latin typeface="Meiryo UI" panose="020B0604030504040204" pitchFamily="50" charset="-128"/>
+                <a:ea typeface="Meiryo UI" panose="020B0604030504040204" pitchFamily="50" charset="-128"/>
+              </a:rPr>
+              <a:t>見積明細アプリ</a:t>
+            </a:r>
+            <a:endParaRPr kumimoji="1" lang="ja-JP" altLang="en-US" sz="1600" b="1" dirty="0">
+              <a:latin typeface="Meiryo UI" panose="020B0604030504040204" pitchFamily="50" charset="-128"/>
+              <a:ea typeface="Meiryo UI" panose="020B0604030504040204" pitchFamily="50" charset="-128"/>
+            </a:endParaRPr>
+          </a:p>
+        </p:txBody>
+      </p:sp>
+      <p:cxnSp>
+        <p:nvCxnSpPr>
+          <p:cNvPr id="32" name="直線矢印コネクタ 31"/>
+          <p:cNvCxnSpPr>
+            <a:stCxn id="7" idx="1"/>
+            <a:endCxn id="27" idx="3"/>
+          </p:cNvCxnSpPr>
+          <p:nvPr/>
+        </p:nvCxnSpPr>
+        <p:spPr>
+          <a:xfrm flipH="1">
+            <a:off x="5462954" y="4532224"/>
+            <a:ext cx="2203230" cy="0"/>
+          </a:xfrm>
+          <a:prstGeom prst="straightConnector1">
+            <a:avLst/>
+          </a:prstGeom>
+          <a:ln w="57150">
+            <a:solidFill>
+              <a:srgbClr val="00B0F0"/>
+            </a:solidFill>
+            <a:tailEnd type="triangle"/>
+          </a:ln>
+        </p:spPr>
+        <p:style>
+          <a:lnRef idx="1">
+            <a:schemeClr val="accent1"/>
+          </a:lnRef>
+          <a:fillRef idx="0">
+            <a:schemeClr val="accent1"/>
+          </a:fillRef>
+          <a:effectRef idx="0">
+            <a:schemeClr val="accent1"/>
+          </a:effectRef>
+          <a:fontRef idx="minor">
+            <a:schemeClr val="tx1"/>
+          </a:fontRef>
+        </p:style>
+      </p:cxnSp>
+      <p:sp>
+        <p:nvSpPr>
+          <p:cNvPr id="10" name="テキスト ボックス 9"/>
+          <p:cNvSpPr txBox="1"/>
+          <p:nvPr/>
+        </p:nvSpPr>
+        <p:spPr>
+          <a:xfrm>
+            <a:off x="6108413" y="3989414"/>
+            <a:ext cx="1438215" cy="523220"/>
+          </a:xfrm>
+          <a:prstGeom prst="rect">
+            <a:avLst/>
+          </a:prstGeom>
+          <a:noFill/>
+        </p:spPr>
+        <p:txBody>
+          <a:bodyPr wrap="none" rtlCol="0">
+            <a:spAutoFit/>
+          </a:bodyPr>
+          <a:lstStyle/>
+          <a:p>
+            <a:pPr algn="ctr"/>
+            <a:r>
+              <a:rPr kumimoji="1" lang="ja-JP" altLang="en-US" sz="1400" b="1" dirty="0">
+                <a:latin typeface="Meiryo UI" panose="020B0604030504040204" pitchFamily="50" charset="-128"/>
+                <a:ea typeface="Meiryo UI" panose="020B0604030504040204" pitchFamily="50" charset="-128"/>
+              </a:rPr>
+              <a:t>この</a:t>
+            </a:r>
+            <a:r>
+              <a:rPr lang="ja-JP" altLang="en-US" sz="1400" b="1" dirty="0">
+                <a:latin typeface="Meiryo UI" panose="020B0604030504040204" pitchFamily="50" charset="-128"/>
+                <a:ea typeface="Meiryo UI" panose="020B0604030504040204" pitchFamily="50" charset="-128"/>
+              </a:rPr>
+              <a:t>商品</a:t>
+            </a:r>
+            <a:r>
+              <a:rPr kumimoji="1" lang="ja-JP" altLang="en-US" sz="1400" b="1" dirty="0">
+                <a:latin typeface="Meiryo UI" panose="020B0604030504040204" pitchFamily="50" charset="-128"/>
+                <a:ea typeface="Meiryo UI" panose="020B0604030504040204" pitchFamily="50" charset="-128"/>
+              </a:rPr>
+              <a:t>の明細</a:t>
+            </a:r>
+            <a:endParaRPr kumimoji="1" lang="en-US" altLang="ja-JP" sz="1400" b="1" dirty="0">
+              <a:latin typeface="Meiryo UI" panose="020B0604030504040204" pitchFamily="50" charset="-128"/>
+              <a:ea typeface="Meiryo UI" panose="020B0604030504040204" pitchFamily="50" charset="-128"/>
+            </a:endParaRPr>
+          </a:p>
+          <a:p>
+            <a:pPr algn="ctr"/>
+            <a:r>
+              <a:rPr kumimoji="1" lang="en-US" altLang="ja-JP" sz="1400" b="1" dirty="0">
+                <a:latin typeface="Meiryo UI" panose="020B0604030504040204" pitchFamily="50" charset="-128"/>
+                <a:ea typeface="Meiryo UI" panose="020B0604030504040204" pitchFamily="50" charset="-128"/>
+              </a:rPr>
+              <a:t>(</a:t>
+            </a:r>
+            <a:r>
+              <a:rPr kumimoji="1" lang="ja-JP" altLang="en-US" sz="1400" b="1" dirty="0">
+                <a:latin typeface="Meiryo UI" panose="020B0604030504040204" pitchFamily="50" charset="-128"/>
+                <a:ea typeface="Meiryo UI" panose="020B0604030504040204" pitchFamily="50" charset="-128"/>
+              </a:rPr>
+              <a:t>独立親子関係</a:t>
+            </a:r>
+            <a:r>
+              <a:rPr kumimoji="1" lang="en-US" altLang="ja-JP" sz="1400" b="1" dirty="0">
+                <a:latin typeface="Meiryo UI" panose="020B0604030504040204" pitchFamily="50" charset="-128"/>
+                <a:ea typeface="Meiryo UI" panose="020B0604030504040204" pitchFamily="50" charset="-128"/>
+              </a:rPr>
+              <a:t>)</a:t>
+            </a:r>
+            <a:endParaRPr kumimoji="1" lang="ja-JP" altLang="en-US" sz="1400" b="1" dirty="0">
+              <a:latin typeface="Meiryo UI" panose="020B0604030504040204" pitchFamily="50" charset="-128"/>
+              <a:ea typeface="Meiryo UI" panose="020B0604030504040204" pitchFamily="50" charset="-128"/>
+            </a:endParaRPr>
+          </a:p>
+        </p:txBody>
+      </p:sp>
+      <p:cxnSp>
+        <p:nvCxnSpPr>
+          <p:cNvPr id="15" name="直線矢印コネクタ 14"/>
+          <p:cNvCxnSpPr>
+            <a:stCxn id="17" idx="2"/>
+            <a:endCxn id="27" idx="0"/>
+          </p:cNvCxnSpPr>
+          <p:nvPr/>
+        </p:nvCxnSpPr>
+        <p:spPr>
+          <a:xfrm>
+            <a:off x="4548554" y="3008123"/>
+            <a:ext cx="0" cy="1150791"/>
+          </a:xfrm>
+          <a:prstGeom prst="straightConnector1">
+            <a:avLst/>
+          </a:prstGeom>
+          <a:ln w="57150">
+            <a:solidFill>
+              <a:srgbClr val="00B0F0"/>
+            </a:solidFill>
+            <a:tailEnd type="triangle"/>
+          </a:ln>
+        </p:spPr>
+        <p:style>
+          <a:lnRef idx="1">
+            <a:schemeClr val="accent1"/>
+          </a:lnRef>
+          <a:fillRef idx="0">
+            <a:schemeClr val="accent1"/>
+          </a:fillRef>
+          <a:effectRef idx="0">
+            <a:schemeClr val="accent1"/>
+          </a:effectRef>
+          <a:fontRef idx="minor">
+            <a:schemeClr val="tx1"/>
+          </a:fontRef>
+        </p:style>
+      </p:cxnSp>
+      <p:sp>
+        <p:nvSpPr>
+          <p:cNvPr id="18" name="テキスト ボックス 17"/>
+          <p:cNvSpPr txBox="1"/>
+          <p:nvPr/>
+        </p:nvSpPr>
+        <p:spPr>
+          <a:xfrm>
+            <a:off x="3120721" y="3341002"/>
+            <a:ext cx="1438215" cy="523220"/>
+          </a:xfrm>
+          <a:prstGeom prst="rect">
+            <a:avLst/>
+          </a:prstGeom>
+          <a:noFill/>
+        </p:spPr>
+        <p:txBody>
+          <a:bodyPr wrap="none" rtlCol="0">
+            <a:spAutoFit/>
+          </a:bodyPr>
+          <a:lstStyle/>
+          <a:p>
+            <a:pPr algn="ctr"/>
+            <a:r>
+              <a:rPr kumimoji="1" lang="ja-JP" altLang="en-US" sz="1400" b="1" dirty="0">
+                <a:latin typeface="Meiryo UI" panose="020B0604030504040204" pitchFamily="50" charset="-128"/>
+                <a:ea typeface="Meiryo UI" panose="020B0604030504040204" pitchFamily="50" charset="-128"/>
+              </a:rPr>
+              <a:t>この</a:t>
+            </a:r>
+            <a:r>
+              <a:rPr lang="ja-JP" altLang="en-US" sz="1400" b="1" dirty="0">
+                <a:latin typeface="Meiryo UI" panose="020B0604030504040204" pitchFamily="50" charset="-128"/>
+                <a:ea typeface="Meiryo UI" panose="020B0604030504040204" pitchFamily="50" charset="-128"/>
+              </a:rPr>
+              <a:t>見積</a:t>
+            </a:r>
+            <a:r>
+              <a:rPr kumimoji="1" lang="ja-JP" altLang="en-US" sz="1400" b="1" dirty="0">
+                <a:latin typeface="Meiryo UI" panose="020B0604030504040204" pitchFamily="50" charset="-128"/>
+                <a:ea typeface="Meiryo UI" panose="020B0604030504040204" pitchFamily="50" charset="-128"/>
+              </a:rPr>
+              <a:t>の明細</a:t>
+            </a:r>
+          </a:p>
+          <a:p>
+            <a:pPr algn="ctr"/>
+            <a:r>
+              <a:rPr kumimoji="1" lang="en-US" altLang="ja-JP" sz="1400" b="1" dirty="0">
+                <a:latin typeface="Meiryo UI" panose="020B0604030504040204" pitchFamily="50" charset="-128"/>
+                <a:ea typeface="Meiryo UI" panose="020B0604030504040204" pitchFamily="50" charset="-128"/>
+              </a:rPr>
+              <a:t>(</a:t>
+            </a:r>
+            <a:r>
+              <a:rPr kumimoji="1" lang="ja-JP" altLang="en-US" sz="1400" b="1" dirty="0">
+                <a:latin typeface="Meiryo UI" panose="020B0604030504040204" pitchFamily="50" charset="-128"/>
+                <a:ea typeface="Meiryo UI" panose="020B0604030504040204" pitchFamily="50" charset="-128"/>
+              </a:rPr>
+              <a:t>独立親子関係</a:t>
+            </a:r>
+            <a:r>
+              <a:rPr kumimoji="1" lang="en-US" altLang="ja-JP" sz="1400" b="1" dirty="0">
+                <a:latin typeface="Meiryo UI" panose="020B0604030504040204" pitchFamily="50" charset="-128"/>
+                <a:ea typeface="Meiryo UI" panose="020B0604030504040204" pitchFamily="50" charset="-128"/>
+              </a:rPr>
+              <a:t>)</a:t>
+            </a:r>
+            <a:endParaRPr kumimoji="1" lang="ja-JP" altLang="en-US" sz="1400" b="1" dirty="0">
+              <a:latin typeface="Meiryo UI" panose="020B0604030504040204" pitchFamily="50" charset="-128"/>
+              <a:ea typeface="Meiryo UI" panose="020B0604030504040204" pitchFamily="50" charset="-128"/>
+            </a:endParaRPr>
+          </a:p>
+        </p:txBody>
+      </p:sp>
+    </p:spTree>
+    <p:extLst>
+      <p:ext uri="{BB962C8B-B14F-4D97-AF65-F5344CB8AC3E}">
+        <p14:creationId xmlns:p14="http://schemas.microsoft.com/office/powerpoint/2010/main" val="552015226"/>
+      </p:ext>
+    </p:extLst>
+  </p:cSld>
+  <p:clrMapOvr>
+    <a:masterClrMapping/>
+  </p:clrMapOvr>
+</p:sld>
+</file>
+
+<file path=ppt/slides/slide4.xml><?xml version="1.0" encoding="utf-8"?>
 <p:sld xmlns:a="http://schemas.openxmlformats.org/drawingml/2006/main" xmlns:r="http://schemas.openxmlformats.org/officeDocument/2006/relationships" xmlns:p="http://schemas.openxmlformats.org/presentationml/2006/main">
   <p:cSld>
     <p:spTree>

--- a/cdn/2016/dn1608explanatory.pptx
+++ b/cdn/2016/dn1608explanatory.pptx
@@ -5,13 +5,14 @@
     <p:sldMasterId id="2147483648" r:id="rId1"/>
   </p:sldMasterIdLst>
   <p:notesMasterIdLst>
-    <p:notesMasterId r:id="rId6"/>
+    <p:notesMasterId r:id="rId7"/>
   </p:notesMasterIdLst>
   <p:sldIdLst>
     <p:sldId id="259" r:id="rId2"/>
     <p:sldId id="258" r:id="rId3"/>
-    <p:sldId id="261" r:id="rId4"/>
-    <p:sldId id="260" r:id="rId5"/>
+    <p:sldId id="262" r:id="rId4"/>
+    <p:sldId id="261" r:id="rId5"/>
+    <p:sldId id="260" r:id="rId6"/>
   </p:sldIdLst>
   <p:sldSz cx="12192000" cy="6858000"/>
   <p:notesSz cx="6858000" cy="9144000"/>
@@ -200,7 +201,7 @@
           <a:p>
             <a:fld id="{A82937E7-3991-45AD-9B84-B9BB0E6C8E34}" type="datetimeFigureOut">
               <a:rPr kumimoji="1" lang="ja-JP" altLang="en-US" smtClean="0"/>
-              <a:t>2016/9/5</a:t>
+              <a:t>2016/9/23</a:t>
             </a:fld>
             <a:endParaRPr kumimoji="1" lang="ja-JP" altLang="en-US"/>
           </a:p>
@@ -750,7 +751,7 @@
     </p:spTree>
     <p:extLst>
       <p:ext uri="{BB962C8B-B14F-4D97-AF65-F5344CB8AC3E}">
-        <p14:creationId xmlns:p14="http://schemas.microsoft.com/office/powerpoint/2010/main" val="3803089684"/>
+        <p14:creationId xmlns:p14="http://schemas.microsoft.com/office/powerpoint/2010/main" val="2763345917"/>
       </p:ext>
     </p:extLst>
   </p:cSld>
@@ -806,18 +807,8 @@
           <a:p>
             <a:r>
               <a:rPr kumimoji="1" lang="ja-JP" altLang="en-US" dirty="0"/>
-              <a:t>未使用</a:t>
-            </a:r>
-            <a:endParaRPr kumimoji="1" lang="en-US" altLang="ja-JP" dirty="0"/>
-          </a:p>
-          <a:p>
-            <a:r>
-              <a:rPr kumimoji="1" lang="en-US" altLang="ja-JP"/>
-              <a:t>http://www1.nw-exam.com/kotsu/kotsu004.html</a:t>
-            </a:r>
-          </a:p>
-          <a:p>
-            <a:endParaRPr kumimoji="1" lang="ja-JP" altLang="en-US" dirty="0"/>
+              <a:t>アプリストア・商品見積書パックの概要データモデル</a:t>
+            </a:r>
           </a:p>
         </p:txBody>
       </p:sp>
@@ -839,6 +830,103 @@
             <a:fld id="{DC5A928C-433C-42F4-8BAF-76E8EFBA0822}" type="slidenum">
               <a:rPr kumimoji="1" lang="ja-JP" altLang="en-US" smtClean="0"/>
               <a:t>4</a:t>
+            </a:fld>
+            <a:endParaRPr kumimoji="1" lang="ja-JP" altLang="en-US"/>
+          </a:p>
+        </p:txBody>
+      </p:sp>
+    </p:spTree>
+    <p:extLst>
+      <p:ext uri="{BB962C8B-B14F-4D97-AF65-F5344CB8AC3E}">
+        <p14:creationId xmlns:p14="http://schemas.microsoft.com/office/powerpoint/2010/main" val="3803089684"/>
+      </p:ext>
+    </p:extLst>
+  </p:cSld>
+  <p:clrMapOvr>
+    <a:masterClrMapping/>
+  </p:clrMapOvr>
+</p:notes>
+</file>
+
+<file path=ppt/notesSlides/notesSlide5.xml><?xml version="1.0" encoding="utf-8"?>
+<p:notes xmlns:a="http://schemas.openxmlformats.org/drawingml/2006/main" xmlns:r="http://schemas.openxmlformats.org/officeDocument/2006/relationships" xmlns:p="http://schemas.openxmlformats.org/presentationml/2006/main">
+  <p:cSld>
+    <p:spTree>
+      <p:nvGrpSpPr>
+        <p:cNvPr id="1" name=""/>
+        <p:cNvGrpSpPr/>
+        <p:nvPr/>
+      </p:nvGrpSpPr>
+      <p:grpSpPr>
+        <a:xfrm>
+          <a:off x="0" y="0"/>
+          <a:ext cx="0" cy="0"/>
+          <a:chOff x="0" y="0"/>
+          <a:chExt cx="0" cy="0"/>
+        </a:xfrm>
+      </p:grpSpPr>
+      <p:sp>
+        <p:nvSpPr>
+          <p:cNvPr id="2" name="スライド イメージ プレースホルダー 1"/>
+          <p:cNvSpPr>
+            <a:spLocks noGrp="1" noRot="1" noChangeAspect="1"/>
+          </p:cNvSpPr>
+          <p:nvPr>
+            <p:ph type="sldImg"/>
+          </p:nvPr>
+        </p:nvSpPr>
+        <p:spPr/>
+      </p:sp>
+      <p:sp>
+        <p:nvSpPr>
+          <p:cNvPr id="3" name="ノート プレースホルダー 2"/>
+          <p:cNvSpPr>
+            <a:spLocks noGrp="1"/>
+          </p:cNvSpPr>
+          <p:nvPr>
+            <p:ph type="body" idx="1"/>
+          </p:nvPr>
+        </p:nvSpPr>
+        <p:spPr/>
+        <p:txBody>
+          <a:bodyPr/>
+          <a:lstStyle/>
+          <a:p>
+            <a:r>
+              <a:rPr kumimoji="1" lang="ja-JP" altLang="en-US" dirty="0"/>
+              <a:t>未使用</a:t>
+            </a:r>
+            <a:endParaRPr kumimoji="1" lang="en-US" altLang="ja-JP" dirty="0"/>
+          </a:p>
+          <a:p>
+            <a:r>
+              <a:rPr kumimoji="1" lang="en-US" altLang="ja-JP"/>
+              <a:t>http://www1.nw-exam.com/kotsu/kotsu004.html</a:t>
+            </a:r>
+          </a:p>
+          <a:p>
+            <a:endParaRPr kumimoji="1" lang="ja-JP" altLang="en-US" dirty="0"/>
+          </a:p>
+        </p:txBody>
+      </p:sp>
+      <p:sp>
+        <p:nvSpPr>
+          <p:cNvPr id="4" name="スライド番号プレースホルダー 3"/>
+          <p:cNvSpPr>
+            <a:spLocks noGrp="1"/>
+          </p:cNvSpPr>
+          <p:nvPr>
+            <p:ph type="sldNum" sz="quarter" idx="10"/>
+          </p:nvPr>
+        </p:nvSpPr>
+        <p:spPr/>
+        <p:txBody>
+          <a:bodyPr/>
+          <a:lstStyle/>
+          <a:p>
+            <a:fld id="{DC5A928C-433C-42F4-8BAF-76E8EFBA0822}" type="slidenum">
+              <a:rPr kumimoji="1" lang="ja-JP" altLang="en-US" smtClean="0"/>
+              <a:t>5</a:t>
             </a:fld>
             <a:endParaRPr kumimoji="1" lang="ja-JP" altLang="en-US"/>
           </a:p>
@@ -986,7 +1074,7 @@
           <a:p>
             <a:fld id="{94219EF5-4222-44D3-AB33-808FF9545A4A}" type="datetimeFigureOut">
               <a:rPr kumimoji="1" lang="ja-JP" altLang="en-US" smtClean="0"/>
-              <a:t>2016/9/5</a:t>
+              <a:t>2016/9/23</a:t>
             </a:fld>
             <a:endParaRPr kumimoji="1" lang="ja-JP" altLang="en-US"/>
           </a:p>
@@ -1186,7 +1274,7 @@
           <a:p>
             <a:fld id="{94219EF5-4222-44D3-AB33-808FF9545A4A}" type="datetimeFigureOut">
               <a:rPr kumimoji="1" lang="ja-JP" altLang="en-US" smtClean="0"/>
-              <a:t>2016/9/5</a:t>
+              <a:t>2016/9/23</a:t>
             </a:fld>
             <a:endParaRPr kumimoji="1" lang="ja-JP" altLang="en-US"/>
           </a:p>
@@ -1396,7 +1484,7 @@
           <a:p>
             <a:fld id="{94219EF5-4222-44D3-AB33-808FF9545A4A}" type="datetimeFigureOut">
               <a:rPr kumimoji="1" lang="ja-JP" altLang="en-US" smtClean="0"/>
-              <a:t>2016/9/5</a:t>
+              <a:t>2016/9/23</a:t>
             </a:fld>
             <a:endParaRPr kumimoji="1" lang="ja-JP" altLang="en-US"/>
           </a:p>
@@ -1596,7 +1684,7 @@
           <a:p>
             <a:fld id="{94219EF5-4222-44D3-AB33-808FF9545A4A}" type="datetimeFigureOut">
               <a:rPr kumimoji="1" lang="ja-JP" altLang="en-US" smtClean="0"/>
-              <a:t>2016/9/5</a:t>
+              <a:t>2016/9/23</a:t>
             </a:fld>
             <a:endParaRPr kumimoji="1" lang="ja-JP" altLang="en-US"/>
           </a:p>
@@ -1841,7 +1929,7 @@
           <a:p>
             <a:fld id="{94219EF5-4222-44D3-AB33-808FF9545A4A}" type="datetimeFigureOut">
               <a:rPr kumimoji="1" lang="ja-JP" altLang="en-US" smtClean="0"/>
-              <a:t>2016/9/5</a:t>
+              <a:t>2016/9/23</a:t>
             </a:fld>
             <a:endParaRPr kumimoji="1" lang="ja-JP" altLang="en-US"/>
           </a:p>
@@ -2134,7 +2222,7 @@
           <a:p>
             <a:fld id="{94219EF5-4222-44D3-AB33-808FF9545A4A}" type="datetimeFigureOut">
               <a:rPr kumimoji="1" lang="ja-JP" altLang="en-US" smtClean="0"/>
-              <a:t>2016/9/5</a:t>
+              <a:t>2016/9/23</a:t>
             </a:fld>
             <a:endParaRPr kumimoji="1" lang="ja-JP" altLang="en-US"/>
           </a:p>
@@ -2562,7 +2650,7 @@
           <a:p>
             <a:fld id="{94219EF5-4222-44D3-AB33-808FF9545A4A}" type="datetimeFigureOut">
               <a:rPr kumimoji="1" lang="ja-JP" altLang="en-US" smtClean="0"/>
-              <a:t>2016/9/5</a:t>
+              <a:t>2016/9/23</a:t>
             </a:fld>
             <a:endParaRPr kumimoji="1" lang="ja-JP" altLang="en-US"/>
           </a:p>
@@ -2679,7 +2767,7 @@
           <a:p>
             <a:fld id="{94219EF5-4222-44D3-AB33-808FF9545A4A}" type="datetimeFigureOut">
               <a:rPr kumimoji="1" lang="ja-JP" altLang="en-US" smtClean="0"/>
-              <a:t>2016/9/5</a:t>
+              <a:t>2016/9/23</a:t>
             </a:fld>
             <a:endParaRPr kumimoji="1" lang="ja-JP" altLang="en-US"/>
           </a:p>
@@ -2774,7 +2862,7 @@
           <a:p>
             <a:fld id="{94219EF5-4222-44D3-AB33-808FF9545A4A}" type="datetimeFigureOut">
               <a:rPr kumimoji="1" lang="ja-JP" altLang="en-US" smtClean="0"/>
-              <a:t>2016/9/5</a:t>
+              <a:t>2016/9/23</a:t>
             </a:fld>
             <a:endParaRPr kumimoji="1" lang="ja-JP" altLang="en-US"/>
           </a:p>
@@ -3081,7 +3169,7 @@
           <a:p>
             <a:fld id="{94219EF5-4222-44D3-AB33-808FF9545A4A}" type="datetimeFigureOut">
               <a:rPr kumimoji="1" lang="ja-JP" altLang="en-US" smtClean="0"/>
-              <a:t>2016/9/5</a:t>
+              <a:t>2016/9/23</a:t>
             </a:fld>
             <a:endParaRPr kumimoji="1" lang="ja-JP" altLang="en-US"/>
           </a:p>
@@ -3333,7 +3421,7 @@
           <a:p>
             <a:fld id="{94219EF5-4222-44D3-AB33-808FF9545A4A}" type="datetimeFigureOut">
               <a:rPr kumimoji="1" lang="ja-JP" altLang="en-US" smtClean="0"/>
-              <a:t>2016/9/5</a:t>
+              <a:t>2016/9/23</a:t>
             </a:fld>
             <a:endParaRPr kumimoji="1" lang="ja-JP" altLang="en-US"/>
           </a:p>
@@ -3576,7 +3664,7 @@
           <a:p>
             <a:fld id="{94219EF5-4222-44D3-AB33-808FF9545A4A}" type="datetimeFigureOut">
               <a:rPr kumimoji="1" lang="ja-JP" altLang="en-US" smtClean="0"/>
-              <a:t>2016/9/5</a:t>
+              <a:t>2016/9/23</a:t>
             </a:fld>
             <a:endParaRPr kumimoji="1" lang="ja-JP" altLang="en-US"/>
           </a:p>
@@ -4810,6 +4898,272 @@
           <a:chExt cx="0" cy="0"/>
         </a:xfrm>
       </p:grpSpPr>
+      <p:pic>
+        <p:nvPicPr>
+          <p:cNvPr id="5" name="図 4"/>
+          <p:cNvPicPr>
+            <a:picLocks noChangeAspect="1"/>
+          </p:cNvPicPr>
+          <p:nvPr/>
+        </p:nvPicPr>
+        <p:blipFill>
+          <a:blip r:embed="rId3"/>
+          <a:stretch>
+            <a:fillRect/>
+          </a:stretch>
+        </p:blipFill>
+        <p:spPr>
+          <a:xfrm>
+            <a:off x="178781" y="983661"/>
+            <a:ext cx="7915275" cy="5553075"/>
+          </a:xfrm>
+          <a:prstGeom prst="rect">
+            <a:avLst/>
+          </a:prstGeom>
+          <a:ln>
+            <a:solidFill>
+              <a:schemeClr val="tx1"/>
+            </a:solidFill>
+          </a:ln>
+        </p:spPr>
+      </p:pic>
+      <p:sp>
+        <p:nvSpPr>
+          <p:cNvPr id="4" name="タイトル 3"/>
+          <p:cNvSpPr>
+            <a:spLocks noGrp="1"/>
+          </p:cNvSpPr>
+          <p:nvPr>
+            <p:ph type="title"/>
+          </p:nvPr>
+        </p:nvSpPr>
+        <p:spPr>
+          <a:xfrm>
+            <a:off x="838200" y="320880"/>
+            <a:ext cx="10515600" cy="1325563"/>
+          </a:xfrm>
+        </p:spPr>
+        <p:txBody>
+          <a:bodyPr anchor="t">
+            <a:normAutofit/>
+          </a:bodyPr>
+          <a:lstStyle/>
+          <a:p>
+            <a:pPr algn="ctr"/>
+            <a:r>
+              <a:rPr kumimoji="1" lang="ja-JP" altLang="en-US" sz="2400" b="1" dirty="0">
+                <a:latin typeface="Meiryo UI" panose="020B0604030504040204" pitchFamily="50" charset="-128"/>
+                <a:ea typeface="Meiryo UI" panose="020B0604030504040204" pitchFamily="50" charset="-128"/>
+              </a:rPr>
+              <a:t>独立親子関係の例 </a:t>
+            </a:r>
+            <a:r>
+              <a:rPr kumimoji="1" lang="en-US" altLang="ja-JP" sz="2400" b="1" dirty="0">
+                <a:latin typeface="Meiryo UI" panose="020B0604030504040204" pitchFamily="50" charset="-128"/>
+                <a:ea typeface="Meiryo UI" panose="020B0604030504040204" pitchFamily="50" charset="-128"/>
+              </a:rPr>
+              <a:t>- </a:t>
+            </a:r>
+            <a:r>
+              <a:rPr kumimoji="1" lang="ja-JP" altLang="en-US" sz="2400" b="1" dirty="0">
+                <a:latin typeface="Meiryo UI" panose="020B0604030504040204" pitchFamily="50" charset="-128"/>
+                <a:ea typeface="Meiryo UI" panose="020B0604030504040204" pitchFamily="50" charset="-128"/>
+              </a:rPr>
+              <a:t>見積書アプリ、商品リストアプリ間</a:t>
+            </a:r>
+          </a:p>
+        </p:txBody>
+      </p:sp>
+      <p:pic>
+        <p:nvPicPr>
+          <p:cNvPr id="3" name="図 2"/>
+          <p:cNvPicPr>
+            <a:picLocks noChangeAspect="1"/>
+          </p:cNvPicPr>
+          <p:nvPr/>
+        </p:nvPicPr>
+        <p:blipFill>
+          <a:blip r:embed="rId4"/>
+          <a:stretch>
+            <a:fillRect/>
+          </a:stretch>
+        </p:blipFill>
+        <p:spPr>
+          <a:xfrm>
+            <a:off x="3800534" y="2500009"/>
+            <a:ext cx="8268948" cy="4274410"/>
+          </a:xfrm>
+          <a:prstGeom prst="rect">
+            <a:avLst/>
+          </a:prstGeom>
+          <a:ln>
+            <a:solidFill>
+              <a:schemeClr val="tx1"/>
+            </a:solidFill>
+          </a:ln>
+        </p:spPr>
+      </p:pic>
+      <p:cxnSp>
+        <p:nvCxnSpPr>
+          <p:cNvPr id="9" name="曲線コネクタ 8"/>
+          <p:cNvCxnSpPr>
+            <a:stCxn id="13" idx="6"/>
+            <a:endCxn id="11" idx="1"/>
+          </p:cNvCxnSpPr>
+          <p:nvPr/>
+        </p:nvCxnSpPr>
+        <p:spPr>
+          <a:xfrm>
+            <a:off x="1001949" y="4523362"/>
+            <a:ext cx="3132306" cy="491247"/>
+          </a:xfrm>
+          <a:prstGeom prst="curvedConnector3">
+            <a:avLst/>
+          </a:prstGeom>
+          <a:ln w="50800">
+            <a:solidFill>
+              <a:srgbClr val="FF0000"/>
+            </a:solidFill>
+            <a:tailEnd type="triangle"/>
+          </a:ln>
+        </p:spPr>
+        <p:style>
+          <a:lnRef idx="1">
+            <a:schemeClr val="accent1"/>
+          </a:lnRef>
+          <a:fillRef idx="0">
+            <a:schemeClr val="accent1"/>
+          </a:fillRef>
+          <a:effectRef idx="0">
+            <a:schemeClr val="accent1"/>
+          </a:effectRef>
+          <a:fontRef idx="minor">
+            <a:schemeClr val="tx1"/>
+          </a:fontRef>
+        </p:style>
+      </p:cxnSp>
+      <p:sp>
+        <p:nvSpPr>
+          <p:cNvPr id="11" name="角丸四角形 10"/>
+          <p:cNvSpPr/>
+          <p:nvPr/>
+        </p:nvSpPr>
+        <p:spPr>
+          <a:xfrm>
+            <a:off x="4134255" y="4863830"/>
+            <a:ext cx="4883286" cy="301557"/>
+          </a:xfrm>
+          <a:prstGeom prst="roundRect">
+            <a:avLst/>
+          </a:prstGeom>
+          <a:noFill/>
+          <a:ln w="50800">
+            <a:solidFill>
+              <a:srgbClr val="FF0000"/>
+            </a:solidFill>
+          </a:ln>
+        </p:spPr>
+        <p:style>
+          <a:lnRef idx="2">
+            <a:schemeClr val="accent1">
+              <a:shade val="50000"/>
+            </a:schemeClr>
+          </a:lnRef>
+          <a:fillRef idx="1">
+            <a:schemeClr val="accent1"/>
+          </a:fillRef>
+          <a:effectRef idx="0">
+            <a:schemeClr val="accent1"/>
+          </a:effectRef>
+          <a:fontRef idx="minor">
+            <a:schemeClr val="lt1"/>
+          </a:fontRef>
+        </p:style>
+        <p:txBody>
+          <a:bodyPr rtlCol="0" anchor="ctr"/>
+          <a:lstStyle/>
+          <a:p>
+            <a:pPr algn="ctr"/>
+            <a:endParaRPr kumimoji="1" lang="ja-JP" altLang="en-US"/>
+          </a:p>
+        </p:txBody>
+      </p:sp>
+      <p:sp>
+        <p:nvSpPr>
+          <p:cNvPr id="13" name="楕円 12"/>
+          <p:cNvSpPr/>
+          <p:nvPr/>
+        </p:nvSpPr>
+        <p:spPr>
+          <a:xfrm>
+            <a:off x="178781" y="4250987"/>
+            <a:ext cx="823168" cy="544749"/>
+          </a:xfrm>
+          <a:prstGeom prst="ellipse">
+            <a:avLst/>
+          </a:prstGeom>
+          <a:noFill/>
+          <a:ln w="50800">
+            <a:solidFill>
+              <a:srgbClr val="FF0000"/>
+            </a:solidFill>
+          </a:ln>
+        </p:spPr>
+        <p:style>
+          <a:lnRef idx="2">
+            <a:schemeClr val="accent1">
+              <a:shade val="50000"/>
+            </a:schemeClr>
+          </a:lnRef>
+          <a:fillRef idx="1">
+            <a:schemeClr val="accent1"/>
+          </a:fillRef>
+          <a:effectRef idx="0">
+            <a:schemeClr val="accent1"/>
+          </a:effectRef>
+          <a:fontRef idx="minor">
+            <a:schemeClr val="lt1"/>
+          </a:fontRef>
+        </p:style>
+        <p:txBody>
+          <a:bodyPr rtlCol="0" anchor="ctr"/>
+          <a:lstStyle/>
+          <a:p>
+            <a:pPr algn="ctr"/>
+            <a:endParaRPr kumimoji="1" lang="ja-JP" altLang="en-US"/>
+          </a:p>
+        </p:txBody>
+      </p:sp>
+    </p:spTree>
+    <p:extLst>
+      <p:ext uri="{BB962C8B-B14F-4D97-AF65-F5344CB8AC3E}">
+        <p14:creationId xmlns:p14="http://schemas.microsoft.com/office/powerpoint/2010/main" val="2092637406"/>
+      </p:ext>
+    </p:extLst>
+  </p:cSld>
+  <p:clrMapOvr>
+    <a:masterClrMapping/>
+  </p:clrMapOvr>
+</p:sld>
+</file>
+
+<file path=ppt/slides/slide4.xml><?xml version="1.0" encoding="utf-8"?>
+<p:sld xmlns:a="http://schemas.openxmlformats.org/drawingml/2006/main" xmlns:r="http://schemas.openxmlformats.org/officeDocument/2006/relationships" xmlns:p="http://schemas.openxmlformats.org/presentationml/2006/main">
+  <p:cSld>
+    <p:spTree>
+      <p:nvGrpSpPr>
+        <p:cNvPr id="1" name=""/>
+        <p:cNvGrpSpPr/>
+        <p:nvPr/>
+      </p:nvGrpSpPr>
+      <p:grpSpPr>
+        <a:xfrm>
+          <a:off x="0" y="0"/>
+          <a:ext cx="0" cy="0"/>
+          <a:chOff x="0" y="0"/>
+          <a:chExt cx="0" cy="0"/>
+        </a:xfrm>
+      </p:grpSpPr>
       <p:sp>
         <p:nvSpPr>
           <p:cNvPr id="4" name="タイトル 3"/>
@@ -5317,7 +5671,7 @@
 </p:sld>
 </file>
 
-<file path=ppt/slides/slide4.xml><?xml version="1.0" encoding="utf-8"?>
+<file path=ppt/slides/slide5.xml><?xml version="1.0" encoding="utf-8"?>
 <p:sld xmlns:a="http://schemas.openxmlformats.org/drawingml/2006/main" xmlns:r="http://schemas.openxmlformats.org/officeDocument/2006/relationships" xmlns:p="http://schemas.openxmlformats.org/presentationml/2006/main">
   <p:cSld>
     <p:spTree>

--- a/cdn/2016/dn1608explanatory.pptx
+++ b/cdn/2016/dn1608explanatory.pptx
@@ -5,14 +5,15 @@
     <p:sldMasterId id="2147483648" r:id="rId1"/>
   </p:sldMasterIdLst>
   <p:notesMasterIdLst>
-    <p:notesMasterId r:id="rId7"/>
+    <p:notesMasterId r:id="rId8"/>
   </p:notesMasterIdLst>
   <p:sldIdLst>
     <p:sldId id="259" r:id="rId2"/>
     <p:sldId id="258" r:id="rId3"/>
     <p:sldId id="262" r:id="rId4"/>
-    <p:sldId id="261" r:id="rId5"/>
-    <p:sldId id="260" r:id="rId6"/>
+    <p:sldId id="263" r:id="rId5"/>
+    <p:sldId id="261" r:id="rId6"/>
+    <p:sldId id="260" r:id="rId7"/>
   </p:sldIdLst>
   <p:sldSz cx="12192000" cy="6858000"/>
   <p:notesSz cx="6858000" cy="9144000"/>
@@ -829,7 +830,7 @@
           <a:p>
             <a:fld id="{DC5A928C-433C-42F4-8BAF-76E8EFBA0822}" type="slidenum">
               <a:rPr kumimoji="1" lang="ja-JP" altLang="en-US" smtClean="0"/>
-              <a:t>4</a:t>
+              <a:t>5</a:t>
             </a:fld>
             <a:endParaRPr kumimoji="1" lang="ja-JP" altLang="en-US"/>
           </a:p>
@@ -926,7 +927,7 @@
           <a:p>
             <a:fld id="{DC5A928C-433C-42F4-8BAF-76E8EFBA0822}" type="slidenum">
               <a:rPr kumimoji="1" lang="ja-JP" altLang="en-US" smtClean="0"/>
-              <a:t>5</a:t>
+              <a:t>6</a:t>
             </a:fld>
             <a:endParaRPr kumimoji="1" lang="ja-JP" altLang="en-US"/>
           </a:p>
@@ -5164,6 +5165,435 @@
           <a:chExt cx="0" cy="0"/>
         </a:xfrm>
       </p:grpSpPr>
+      <p:pic>
+        <p:nvPicPr>
+          <p:cNvPr id="23" name="図 22"/>
+          <p:cNvPicPr>
+            <a:picLocks noChangeAspect="1"/>
+          </p:cNvPicPr>
+          <p:nvPr/>
+        </p:nvPicPr>
+        <p:blipFill>
+          <a:blip r:embed="rId2"/>
+          <a:stretch>
+            <a:fillRect/>
+          </a:stretch>
+        </p:blipFill>
+        <p:spPr>
+          <a:xfrm>
+            <a:off x="19456" y="89726"/>
+            <a:ext cx="5855674" cy="3597057"/>
+          </a:xfrm>
+          <a:prstGeom prst="rect">
+            <a:avLst/>
+          </a:prstGeom>
+          <a:ln w="9525">
+            <a:solidFill>
+              <a:schemeClr val="tx1"/>
+            </a:solidFill>
+          </a:ln>
+        </p:spPr>
+      </p:pic>
+      <p:pic>
+        <p:nvPicPr>
+          <p:cNvPr id="24" name="図 23"/>
+          <p:cNvPicPr>
+            <a:picLocks noChangeAspect="1"/>
+          </p:cNvPicPr>
+          <p:nvPr/>
+        </p:nvPicPr>
+        <p:blipFill>
+          <a:blip r:embed="rId3"/>
+          <a:stretch>
+            <a:fillRect/>
+          </a:stretch>
+        </p:blipFill>
+        <p:spPr>
+          <a:xfrm>
+            <a:off x="507853" y="3142632"/>
+            <a:ext cx="5844796" cy="3319360"/>
+          </a:xfrm>
+          <a:prstGeom prst="rect">
+            <a:avLst/>
+          </a:prstGeom>
+          <a:ln>
+            <a:solidFill>
+              <a:schemeClr val="tx1"/>
+            </a:solidFill>
+          </a:ln>
+        </p:spPr>
+      </p:pic>
+      <p:pic>
+        <p:nvPicPr>
+          <p:cNvPr id="2" name="図 1"/>
+          <p:cNvPicPr>
+            <a:picLocks noChangeAspect="1"/>
+          </p:cNvPicPr>
+          <p:nvPr/>
+        </p:nvPicPr>
+        <p:blipFill>
+          <a:blip r:embed="rId4"/>
+          <a:stretch>
+            <a:fillRect/>
+          </a:stretch>
+        </p:blipFill>
+        <p:spPr>
+          <a:xfrm>
+            <a:off x="6231044" y="1398550"/>
+            <a:ext cx="5934075" cy="4362450"/>
+          </a:xfrm>
+          <a:prstGeom prst="rect">
+            <a:avLst/>
+          </a:prstGeom>
+          <a:ln>
+            <a:solidFill>
+              <a:schemeClr val="tx1"/>
+            </a:solidFill>
+          </a:ln>
+        </p:spPr>
+      </p:pic>
+      <p:sp>
+        <p:nvSpPr>
+          <p:cNvPr id="7" name="タイトル 3"/>
+          <p:cNvSpPr>
+            <a:spLocks noGrp="1"/>
+          </p:cNvSpPr>
+          <p:nvPr>
+            <p:ph type="title"/>
+          </p:nvPr>
+        </p:nvSpPr>
+        <p:spPr>
+          <a:xfrm>
+            <a:off x="779832" y="320880"/>
+            <a:ext cx="10515600" cy="1325563"/>
+          </a:xfrm>
+        </p:spPr>
+        <p:txBody>
+          <a:bodyPr anchor="t">
+            <a:normAutofit/>
+          </a:bodyPr>
+          <a:lstStyle/>
+          <a:p>
+            <a:pPr algn="r"/>
+            <a:r>
+              <a:rPr kumimoji="1" lang="ja-JP" altLang="en-US" sz="2400" b="1" dirty="0">
+                <a:latin typeface="Meiryo UI" panose="020B0604030504040204" pitchFamily="50" charset="-128"/>
+                <a:ea typeface="Meiryo UI" panose="020B0604030504040204" pitchFamily="50" charset="-128"/>
+              </a:rPr>
+              <a:t>関連レコード一覧の例</a:t>
+            </a:r>
+          </a:p>
+        </p:txBody>
+      </p:sp>
+      <p:sp>
+        <p:nvSpPr>
+          <p:cNvPr id="10" name="角丸四角形 9"/>
+          <p:cNvSpPr/>
+          <p:nvPr/>
+        </p:nvSpPr>
+        <p:spPr>
+          <a:xfrm>
+            <a:off x="583658" y="5391815"/>
+            <a:ext cx="4637444" cy="240500"/>
+          </a:xfrm>
+          <a:prstGeom prst="roundRect">
+            <a:avLst/>
+          </a:prstGeom>
+          <a:noFill/>
+          <a:ln w="38100">
+            <a:solidFill>
+              <a:srgbClr val="FF0000"/>
+            </a:solidFill>
+          </a:ln>
+        </p:spPr>
+        <p:style>
+          <a:lnRef idx="2">
+            <a:schemeClr val="accent1">
+              <a:shade val="50000"/>
+            </a:schemeClr>
+          </a:lnRef>
+          <a:fillRef idx="1">
+            <a:schemeClr val="accent1"/>
+          </a:fillRef>
+          <a:effectRef idx="0">
+            <a:schemeClr val="accent1"/>
+          </a:effectRef>
+          <a:fontRef idx="minor">
+            <a:schemeClr val="lt1"/>
+          </a:fontRef>
+        </p:style>
+        <p:txBody>
+          <a:bodyPr rtlCol="0" anchor="ctr"/>
+          <a:lstStyle/>
+          <a:p>
+            <a:pPr algn="ctr"/>
+            <a:endParaRPr kumimoji="1" lang="ja-JP" altLang="en-US"/>
+          </a:p>
+        </p:txBody>
+      </p:sp>
+      <p:sp>
+        <p:nvSpPr>
+          <p:cNvPr id="11" name="角丸四角形 10"/>
+          <p:cNvSpPr/>
+          <p:nvPr/>
+        </p:nvSpPr>
+        <p:spPr>
+          <a:xfrm>
+            <a:off x="66949" y="2376879"/>
+            <a:ext cx="4787151" cy="230134"/>
+          </a:xfrm>
+          <a:prstGeom prst="roundRect">
+            <a:avLst/>
+          </a:prstGeom>
+          <a:noFill/>
+          <a:ln w="38100">
+            <a:solidFill>
+              <a:srgbClr val="FF0000"/>
+            </a:solidFill>
+          </a:ln>
+        </p:spPr>
+        <p:style>
+          <a:lnRef idx="2">
+            <a:schemeClr val="accent1">
+              <a:shade val="50000"/>
+            </a:schemeClr>
+          </a:lnRef>
+          <a:fillRef idx="1">
+            <a:schemeClr val="accent1"/>
+          </a:fillRef>
+          <a:effectRef idx="0">
+            <a:schemeClr val="accent1"/>
+          </a:effectRef>
+          <a:fontRef idx="minor">
+            <a:schemeClr val="lt1"/>
+          </a:fontRef>
+        </p:style>
+        <p:txBody>
+          <a:bodyPr rtlCol="0" anchor="ctr"/>
+          <a:lstStyle/>
+          <a:p>
+            <a:pPr algn="ctr"/>
+            <a:endParaRPr kumimoji="1" lang="ja-JP" altLang="en-US"/>
+          </a:p>
+        </p:txBody>
+      </p:sp>
+      <p:sp>
+        <p:nvSpPr>
+          <p:cNvPr id="41" name="テキスト ボックス 40"/>
+          <p:cNvSpPr txBox="1"/>
+          <p:nvPr/>
+        </p:nvSpPr>
+        <p:spPr>
+          <a:xfrm>
+            <a:off x="8265540" y="1646443"/>
+            <a:ext cx="2236510" cy="400110"/>
+          </a:xfrm>
+          <a:prstGeom prst="rect">
+            <a:avLst/>
+          </a:prstGeom>
+          <a:noFill/>
+        </p:spPr>
+        <p:txBody>
+          <a:bodyPr wrap="none" rtlCol="0">
+            <a:spAutoFit/>
+          </a:bodyPr>
+          <a:lstStyle/>
+          <a:p>
+            <a:r>
+              <a:rPr kumimoji="1" lang="ja-JP" altLang="en-US" sz="2000" b="1" dirty="0"/>
+              <a:t>商品リストアプリ</a:t>
+            </a:r>
+          </a:p>
+        </p:txBody>
+      </p:sp>
+      <p:sp>
+        <p:nvSpPr>
+          <p:cNvPr id="13" name="角丸四角形 12"/>
+          <p:cNvSpPr/>
+          <p:nvPr/>
+        </p:nvSpPr>
+        <p:spPr>
+          <a:xfrm>
+            <a:off x="6256033" y="4290097"/>
+            <a:ext cx="5437762" cy="1436657"/>
+          </a:xfrm>
+          <a:prstGeom prst="roundRect">
+            <a:avLst/>
+          </a:prstGeom>
+          <a:noFill/>
+          <a:ln w="38100">
+            <a:solidFill>
+              <a:srgbClr val="FF0000"/>
+            </a:solidFill>
+          </a:ln>
+        </p:spPr>
+        <p:style>
+          <a:lnRef idx="2">
+            <a:schemeClr val="accent1">
+              <a:shade val="50000"/>
+            </a:schemeClr>
+          </a:lnRef>
+          <a:fillRef idx="1">
+            <a:schemeClr val="accent1"/>
+          </a:fillRef>
+          <a:effectRef idx="0">
+            <a:schemeClr val="accent1"/>
+          </a:effectRef>
+          <a:fontRef idx="minor">
+            <a:schemeClr val="lt1"/>
+          </a:fontRef>
+        </p:style>
+        <p:txBody>
+          <a:bodyPr rtlCol="0" anchor="ctr"/>
+          <a:lstStyle/>
+          <a:p>
+            <a:pPr algn="ctr"/>
+            <a:endParaRPr kumimoji="1" lang="ja-JP" altLang="en-US"/>
+          </a:p>
+        </p:txBody>
+      </p:sp>
+      <p:cxnSp>
+        <p:nvCxnSpPr>
+          <p:cNvPr id="40" name="直線矢印コネクタ 39"/>
+          <p:cNvCxnSpPr>
+            <a:stCxn id="10" idx="3"/>
+          </p:cNvCxnSpPr>
+          <p:nvPr/>
+        </p:nvCxnSpPr>
+        <p:spPr>
+          <a:xfrm flipV="1">
+            <a:off x="5221102" y="5459031"/>
+            <a:ext cx="1198982" cy="53034"/>
+          </a:xfrm>
+          <a:prstGeom prst="straightConnector1">
+            <a:avLst/>
+          </a:prstGeom>
+          <a:ln w="38100">
+            <a:solidFill>
+              <a:srgbClr val="FF0000"/>
+            </a:solidFill>
+            <a:tailEnd type="triangle"/>
+          </a:ln>
+        </p:spPr>
+        <p:style>
+          <a:lnRef idx="1">
+            <a:schemeClr val="accent1"/>
+          </a:lnRef>
+          <a:fillRef idx="0">
+            <a:schemeClr val="accent1"/>
+          </a:fillRef>
+          <a:effectRef idx="0">
+            <a:schemeClr val="accent1"/>
+          </a:effectRef>
+          <a:fontRef idx="minor">
+            <a:schemeClr val="tx1"/>
+          </a:fontRef>
+        </p:style>
+      </p:cxnSp>
+      <p:cxnSp>
+        <p:nvCxnSpPr>
+          <p:cNvPr id="15" name="曲線コネクタ 14"/>
+          <p:cNvCxnSpPr>
+            <a:stCxn id="11" idx="2"/>
+          </p:cNvCxnSpPr>
+          <p:nvPr/>
+        </p:nvCxnSpPr>
+        <p:spPr>
+          <a:xfrm rot="16200000" flipH="1">
+            <a:off x="3155247" y="1912291"/>
+            <a:ext cx="2570115" cy="3959558"/>
+          </a:xfrm>
+          <a:prstGeom prst="curvedConnector2">
+            <a:avLst/>
+          </a:prstGeom>
+          <a:ln w="38100">
+            <a:solidFill>
+              <a:srgbClr val="FF0000"/>
+            </a:solidFill>
+            <a:headEnd type="none"/>
+            <a:tailEnd type="triangle"/>
+          </a:ln>
+        </p:spPr>
+        <p:style>
+          <a:lnRef idx="1">
+            <a:schemeClr val="accent1"/>
+          </a:lnRef>
+          <a:fillRef idx="0">
+            <a:schemeClr val="accent1"/>
+          </a:fillRef>
+          <a:effectRef idx="0">
+            <a:schemeClr val="accent1"/>
+          </a:effectRef>
+          <a:fontRef idx="minor">
+            <a:schemeClr val="tx1"/>
+          </a:fontRef>
+        </p:style>
+      </p:cxnSp>
+      <p:cxnSp>
+        <p:nvCxnSpPr>
+          <p:cNvPr id="5" name="直線コネクタ 4"/>
+          <p:cNvCxnSpPr/>
+          <p:nvPr/>
+        </p:nvCxnSpPr>
+        <p:spPr>
+          <a:xfrm>
+            <a:off x="6323465" y="4572000"/>
+            <a:ext cx="3803026" cy="0"/>
+          </a:xfrm>
+          <a:prstGeom prst="line">
+            <a:avLst/>
+          </a:prstGeom>
+          <a:ln w="31750" cmpd="dbl">
+            <a:solidFill>
+              <a:srgbClr val="FF0000"/>
+            </a:solidFill>
+          </a:ln>
+        </p:spPr>
+        <p:style>
+          <a:lnRef idx="1">
+            <a:schemeClr val="accent1"/>
+          </a:lnRef>
+          <a:fillRef idx="0">
+            <a:schemeClr val="accent1"/>
+          </a:fillRef>
+          <a:effectRef idx="0">
+            <a:schemeClr val="accent1"/>
+          </a:effectRef>
+          <a:fontRef idx="minor">
+            <a:schemeClr val="tx1"/>
+          </a:fontRef>
+        </p:style>
+      </p:cxnSp>
+    </p:spTree>
+    <p:extLst>
+      <p:ext uri="{BB962C8B-B14F-4D97-AF65-F5344CB8AC3E}">
+        <p14:creationId xmlns:p14="http://schemas.microsoft.com/office/powerpoint/2010/main" val="1216397578"/>
+      </p:ext>
+    </p:extLst>
+  </p:cSld>
+  <p:clrMapOvr>
+    <a:masterClrMapping/>
+  </p:clrMapOvr>
+</p:sld>
+</file>
+
+<file path=ppt/slides/slide5.xml><?xml version="1.0" encoding="utf-8"?>
+<p:sld xmlns:a="http://schemas.openxmlformats.org/drawingml/2006/main" xmlns:r="http://schemas.openxmlformats.org/officeDocument/2006/relationships" xmlns:p="http://schemas.openxmlformats.org/presentationml/2006/main">
+  <p:cSld>
+    <p:spTree>
+      <p:nvGrpSpPr>
+        <p:cNvPr id="1" name=""/>
+        <p:cNvGrpSpPr/>
+        <p:nvPr/>
+      </p:nvGrpSpPr>
+      <p:grpSpPr>
+        <a:xfrm>
+          <a:off x="0" y="0"/>
+          <a:ext cx="0" cy="0"/>
+          <a:chOff x="0" y="0"/>
+          <a:chExt cx="0" cy="0"/>
+        </a:xfrm>
+      </p:grpSpPr>
       <p:sp>
         <p:nvSpPr>
           <p:cNvPr id="4" name="タイトル 3"/>
@@ -5671,7 +6101,7 @@
 </p:sld>
 </file>
 
-<file path=ppt/slides/slide5.xml><?xml version="1.0" encoding="utf-8"?>
+<file path=ppt/slides/slide6.xml><?xml version="1.0" encoding="utf-8"?>
 <p:sld xmlns:a="http://schemas.openxmlformats.org/drawingml/2006/main" xmlns:r="http://schemas.openxmlformats.org/officeDocument/2006/relationships" xmlns:p="http://schemas.openxmlformats.org/presentationml/2006/main">
   <p:cSld>
     <p:spTree>
